--- a/使うやつ/tutorial/チュートリアル.pptx
+++ b/使うやつ/tutorial/チュートリアル.pptx
@@ -6,7 +6,8 @@
   </p:sldMasterIdLst>
   <p:sldIdLst>
     <p:sldId id="257" r:id="rId2"/>
-    <p:sldId id="258" r:id="rId3"/>
+    <p:sldId id="259" r:id="rId3"/>
+    <p:sldId id="258" r:id="rId4"/>
   </p:sldIdLst>
   <p:sldSz cx="12192000" cy="6858000"/>
   <p:notesSz cx="6858000" cy="9144000"/>
@@ -105,6 +106,11 @@
       </a:defRPr>
     </a:lvl9pPr>
   </p:defaultTextStyle>
+  <p:extLst>
+    <p:ext uri="{EFAFB233-063F-42B5-8137-9DF3F51BA10A}">
+      <p15:sldGuideLst xmlns:p15="http://schemas.microsoft.com/office/powerpoint/2012/main"/>
+    </p:ext>
+  </p:extLst>
 </p:presentation>
 </file>
 
@@ -239,7 +245,7 @@
           <a:p>
             <a:fld id="{2F32741A-423F-428D-9B5B-CDF6D4A6BBED}" type="datetimeFigureOut">
               <a:rPr kumimoji="1" lang="ja-JP" altLang="en-US" smtClean="0"/>
-              <a:t>2019/5/30</a:t>
+              <a:t>2019/5/31</a:t>
             </a:fld>
             <a:endParaRPr kumimoji="1" lang="ja-JP" altLang="en-US"/>
           </a:p>
@@ -441,7 +447,7 @@
           <a:p>
             <a:fld id="{2F32741A-423F-428D-9B5B-CDF6D4A6BBED}" type="datetimeFigureOut">
               <a:rPr kumimoji="1" lang="ja-JP" altLang="en-US" smtClean="0"/>
-              <a:t>2019/5/30</a:t>
+              <a:t>2019/5/31</a:t>
             </a:fld>
             <a:endParaRPr kumimoji="1" lang="ja-JP" altLang="en-US"/>
           </a:p>
@@ -653,7 +659,7 @@
           <a:p>
             <a:fld id="{2F32741A-423F-428D-9B5B-CDF6D4A6BBED}" type="datetimeFigureOut">
               <a:rPr kumimoji="1" lang="ja-JP" altLang="en-US" smtClean="0"/>
-              <a:t>2019/5/30</a:t>
+              <a:t>2019/5/31</a:t>
             </a:fld>
             <a:endParaRPr kumimoji="1" lang="ja-JP" altLang="en-US"/>
           </a:p>
@@ -855,7 +861,7 @@
           <a:p>
             <a:fld id="{2F32741A-423F-428D-9B5B-CDF6D4A6BBED}" type="datetimeFigureOut">
               <a:rPr kumimoji="1" lang="ja-JP" altLang="en-US" smtClean="0"/>
-              <a:t>2019/5/30</a:t>
+              <a:t>2019/5/31</a:t>
             </a:fld>
             <a:endParaRPr kumimoji="1" lang="ja-JP" altLang="en-US"/>
           </a:p>
@@ -1101,7 +1107,7 @@
           <a:p>
             <a:fld id="{2F32741A-423F-428D-9B5B-CDF6D4A6BBED}" type="datetimeFigureOut">
               <a:rPr kumimoji="1" lang="ja-JP" altLang="en-US" smtClean="0"/>
-              <a:t>2019/5/30</a:t>
+              <a:t>2019/5/31</a:t>
             </a:fld>
             <a:endParaRPr kumimoji="1" lang="ja-JP" altLang="en-US"/>
           </a:p>
@@ -1397,7 +1403,7 @@
           <a:p>
             <a:fld id="{2F32741A-423F-428D-9B5B-CDF6D4A6BBED}" type="datetimeFigureOut">
               <a:rPr kumimoji="1" lang="ja-JP" altLang="en-US" smtClean="0"/>
-              <a:t>2019/5/30</a:t>
+              <a:t>2019/5/31</a:t>
             </a:fld>
             <a:endParaRPr kumimoji="1" lang="ja-JP" altLang="en-US"/>
           </a:p>
@@ -1828,7 +1834,7 @@
           <a:p>
             <a:fld id="{2F32741A-423F-428D-9B5B-CDF6D4A6BBED}" type="datetimeFigureOut">
               <a:rPr kumimoji="1" lang="ja-JP" altLang="en-US" smtClean="0"/>
-              <a:t>2019/5/30</a:t>
+              <a:t>2019/5/31</a:t>
             </a:fld>
             <a:endParaRPr kumimoji="1" lang="ja-JP" altLang="en-US"/>
           </a:p>
@@ -1946,7 +1952,7 @@
           <a:p>
             <a:fld id="{2F32741A-423F-428D-9B5B-CDF6D4A6BBED}" type="datetimeFigureOut">
               <a:rPr kumimoji="1" lang="ja-JP" altLang="en-US" smtClean="0"/>
-              <a:t>2019/5/30</a:t>
+              <a:t>2019/5/31</a:t>
             </a:fld>
             <a:endParaRPr kumimoji="1" lang="ja-JP" altLang="en-US"/>
           </a:p>
@@ -2041,7 +2047,7 @@
           <a:p>
             <a:fld id="{2F32741A-423F-428D-9B5B-CDF6D4A6BBED}" type="datetimeFigureOut">
               <a:rPr kumimoji="1" lang="ja-JP" altLang="en-US" smtClean="0"/>
-              <a:t>2019/5/30</a:t>
+              <a:t>2019/5/31</a:t>
             </a:fld>
             <a:endParaRPr kumimoji="1" lang="ja-JP" altLang="en-US"/>
           </a:p>
@@ -2350,7 +2356,7 @@
           <a:p>
             <a:fld id="{2F32741A-423F-428D-9B5B-CDF6D4A6BBED}" type="datetimeFigureOut">
               <a:rPr kumimoji="1" lang="ja-JP" altLang="en-US" smtClean="0"/>
-              <a:t>2019/5/30</a:t>
+              <a:t>2019/5/31</a:t>
             </a:fld>
             <a:endParaRPr kumimoji="1" lang="ja-JP" altLang="en-US"/>
           </a:p>
@@ -2603,7 +2609,7 @@
           <a:p>
             <a:fld id="{2F32741A-423F-428D-9B5B-CDF6D4A6BBED}" type="datetimeFigureOut">
               <a:rPr kumimoji="1" lang="ja-JP" altLang="en-US" smtClean="0"/>
-              <a:t>2019/5/30</a:t>
+              <a:t>2019/5/31</a:t>
             </a:fld>
             <a:endParaRPr kumimoji="1" lang="ja-JP" altLang="en-US"/>
           </a:p>
@@ -2848,7 +2854,7 @@
           <a:p>
             <a:fld id="{2F32741A-423F-428D-9B5B-CDF6D4A6BBED}" type="datetimeFigureOut">
               <a:rPr kumimoji="1" lang="ja-JP" altLang="en-US" smtClean="0"/>
-              <a:t>2019/5/30</a:t>
+              <a:t>2019/5/31</a:t>
             </a:fld>
             <a:endParaRPr kumimoji="1" lang="ja-JP" altLang="en-US"/>
           </a:p>
@@ -3786,6 +3792,537 @@
       </p:grpSpPr>
       <p:pic>
         <p:nvPicPr>
+          <p:cNvPr id="18" name="図 17"/>
+          <p:cNvPicPr>
+            <a:picLocks noChangeAspect="1"/>
+          </p:cNvPicPr>
+          <p:nvPr/>
+        </p:nvPicPr>
+        <p:blipFill>
+          <a:blip r:embed="rId2" cstate="print">
+            <a:extLst>
+              <a:ext uri="{28A0092B-C50C-407E-A947-70E740481C1C}">
+                <a14:useLocalDpi xmlns:a14="http://schemas.microsoft.com/office/drawing/2010/main" val="0"/>
+              </a:ext>
+            </a:extLst>
+          </a:blip>
+          <a:stretch>
+            <a:fillRect/>
+          </a:stretch>
+        </p:blipFill>
+        <p:spPr>
+          <a:xfrm>
+            <a:off x="-1" y="-1"/>
+            <a:ext cx="12192001" cy="6858001"/>
+          </a:xfrm>
+          <a:prstGeom prst="rect">
+            <a:avLst/>
+          </a:prstGeom>
+        </p:spPr>
+      </p:pic>
+      <p:grpSp>
+        <p:nvGrpSpPr>
+          <p:cNvPr id="22" name="グループ化 21"/>
+          <p:cNvGrpSpPr/>
+          <p:nvPr/>
+        </p:nvGrpSpPr>
+        <p:grpSpPr>
+          <a:xfrm>
+            <a:off x="0" y="-2"/>
+            <a:ext cx="3549535" cy="3429001"/>
+            <a:chOff x="-1" y="0"/>
+            <a:chExt cx="3549535" cy="3484879"/>
+          </a:xfrm>
+        </p:grpSpPr>
+        <p:pic>
+          <p:nvPicPr>
+            <p:cNvPr id="4" name="図 3"/>
+            <p:cNvPicPr>
+              <a:picLocks noChangeAspect="1"/>
+            </p:cNvPicPr>
+            <p:nvPr/>
+          </p:nvPicPr>
+          <p:blipFill>
+            <a:blip r:embed="rId3"/>
+            <a:stretch>
+              <a:fillRect/>
+            </a:stretch>
+          </p:blipFill>
+          <p:spPr>
+            <a:xfrm>
+              <a:off x="-1" y="0"/>
+              <a:ext cx="3549535" cy="3484879"/>
+            </a:xfrm>
+            <a:prstGeom prst="rect">
+              <a:avLst/>
+            </a:prstGeom>
+          </p:spPr>
+        </p:pic>
+        <p:sp>
+          <p:nvSpPr>
+            <p:cNvPr id="5" name="下矢印 4"/>
+            <p:cNvSpPr/>
+            <p:nvPr/>
+          </p:nvSpPr>
+          <p:spPr>
+            <a:xfrm rot="10800000">
+              <a:off x="1571104" y="1094317"/>
+              <a:ext cx="357448" cy="365608"/>
+            </a:xfrm>
+            <a:prstGeom prst="downArrow">
+              <a:avLst/>
+            </a:prstGeom>
+          </p:spPr>
+          <p:style>
+            <a:lnRef idx="2">
+              <a:schemeClr val="accent4">
+                <a:shade val="50000"/>
+              </a:schemeClr>
+            </a:lnRef>
+            <a:fillRef idx="1">
+              <a:schemeClr val="accent4"/>
+            </a:fillRef>
+            <a:effectRef idx="0">
+              <a:schemeClr val="accent4"/>
+            </a:effectRef>
+            <a:fontRef idx="minor">
+              <a:schemeClr val="lt1"/>
+            </a:fontRef>
+          </p:style>
+          <p:txBody>
+            <a:bodyPr rtlCol="0" anchor="ctr"/>
+            <a:lstStyle/>
+            <a:p>
+              <a:pPr algn="ctr"/>
+              <a:endParaRPr kumimoji="1" lang="ja-JP" altLang="en-US"/>
+            </a:p>
+          </p:txBody>
+        </p:sp>
+        <p:sp>
+          <p:nvSpPr>
+            <p:cNvPr id="13" name="下矢印 12"/>
+            <p:cNvSpPr/>
+            <p:nvPr/>
+          </p:nvSpPr>
+          <p:spPr>
+            <a:xfrm>
+              <a:off x="1571104" y="1932694"/>
+              <a:ext cx="357448" cy="365608"/>
+            </a:xfrm>
+            <a:prstGeom prst="downArrow">
+              <a:avLst/>
+            </a:prstGeom>
+          </p:spPr>
+          <p:style>
+            <a:lnRef idx="2">
+              <a:schemeClr val="accent4">
+                <a:shade val="50000"/>
+              </a:schemeClr>
+            </a:lnRef>
+            <a:fillRef idx="1">
+              <a:schemeClr val="accent4"/>
+            </a:fillRef>
+            <a:effectRef idx="0">
+              <a:schemeClr val="accent4"/>
+            </a:effectRef>
+            <a:fontRef idx="minor">
+              <a:schemeClr val="lt1"/>
+            </a:fontRef>
+          </p:style>
+          <p:txBody>
+            <a:bodyPr rtlCol="0" anchor="ctr"/>
+            <a:lstStyle/>
+            <a:p>
+              <a:pPr algn="ctr"/>
+              <a:endParaRPr kumimoji="1" lang="ja-JP" altLang="en-US"/>
+            </a:p>
+          </p:txBody>
+        </p:sp>
+        <p:sp>
+          <p:nvSpPr>
+            <p:cNvPr id="14" name="下矢印 13"/>
+            <p:cNvSpPr/>
+            <p:nvPr/>
+          </p:nvSpPr>
+          <p:spPr>
+            <a:xfrm rot="5400000">
+              <a:off x="1138917" y="1513860"/>
+              <a:ext cx="357299" cy="365760"/>
+            </a:xfrm>
+            <a:prstGeom prst="downArrow">
+              <a:avLst/>
+            </a:prstGeom>
+          </p:spPr>
+          <p:style>
+            <a:lnRef idx="2">
+              <a:schemeClr val="accent4">
+                <a:shade val="50000"/>
+              </a:schemeClr>
+            </a:lnRef>
+            <a:fillRef idx="1">
+              <a:schemeClr val="accent4"/>
+            </a:fillRef>
+            <a:effectRef idx="0">
+              <a:schemeClr val="accent4"/>
+            </a:effectRef>
+            <a:fontRef idx="minor">
+              <a:schemeClr val="lt1"/>
+            </a:fontRef>
+          </p:style>
+          <p:txBody>
+            <a:bodyPr rtlCol="0" anchor="ctr"/>
+            <a:lstStyle/>
+            <a:p>
+              <a:pPr algn="ctr"/>
+              <a:endParaRPr kumimoji="1" lang="ja-JP" altLang="en-US"/>
+            </a:p>
+          </p:txBody>
+        </p:sp>
+        <p:sp>
+          <p:nvSpPr>
+            <p:cNvPr id="15" name="下矢印 14"/>
+            <p:cNvSpPr/>
+            <p:nvPr/>
+          </p:nvSpPr>
+          <p:spPr>
+            <a:xfrm rot="16200000">
+              <a:off x="1982658" y="1513860"/>
+              <a:ext cx="357299" cy="365760"/>
+            </a:xfrm>
+            <a:prstGeom prst="downArrow">
+              <a:avLst/>
+            </a:prstGeom>
+          </p:spPr>
+          <p:style>
+            <a:lnRef idx="2">
+              <a:schemeClr val="accent4">
+                <a:shade val="50000"/>
+              </a:schemeClr>
+            </a:lnRef>
+            <a:fillRef idx="1">
+              <a:schemeClr val="accent4"/>
+            </a:fillRef>
+            <a:effectRef idx="0">
+              <a:schemeClr val="accent4"/>
+            </a:effectRef>
+            <a:fontRef idx="minor">
+              <a:schemeClr val="lt1"/>
+            </a:fontRef>
+          </p:style>
+          <p:txBody>
+            <a:bodyPr rtlCol="0" anchor="ctr"/>
+            <a:lstStyle/>
+            <a:p>
+              <a:pPr algn="ctr"/>
+              <a:endParaRPr kumimoji="1" lang="ja-JP" altLang="en-US"/>
+            </a:p>
+          </p:txBody>
+        </p:sp>
+      </p:grpSp>
+      <p:pic>
+        <p:nvPicPr>
+          <p:cNvPr id="20" name="図 19"/>
+          <p:cNvPicPr>
+            <a:picLocks noChangeAspect="1"/>
+          </p:cNvPicPr>
+          <p:nvPr/>
+        </p:nvPicPr>
+        <p:blipFill>
+          <a:blip r:embed="rId4"/>
+          <a:stretch>
+            <a:fillRect/>
+          </a:stretch>
+        </p:blipFill>
+        <p:spPr>
+          <a:xfrm>
+            <a:off x="4454292" y="27180"/>
+            <a:ext cx="3537132" cy="3373121"/>
+          </a:xfrm>
+          <a:prstGeom prst="rect">
+            <a:avLst/>
+          </a:prstGeom>
+        </p:spPr>
+      </p:pic>
+      <p:sp>
+        <p:nvSpPr>
+          <p:cNvPr id="23" name="フローチャート: 代替処理 22"/>
+          <p:cNvSpPr/>
+          <p:nvPr/>
+        </p:nvSpPr>
+        <p:spPr>
+          <a:xfrm>
+            <a:off x="355600" y="3756109"/>
+            <a:ext cx="11460480" cy="2919012"/>
+          </a:xfrm>
+          <a:prstGeom prst="flowChartAlternateProcess">
+            <a:avLst/>
+          </a:prstGeom>
+          <a:solidFill>
+            <a:schemeClr val="accent4">
+              <a:lumMod val="40000"/>
+              <a:lumOff val="60000"/>
+            </a:schemeClr>
+          </a:solidFill>
+        </p:spPr>
+        <p:style>
+          <a:lnRef idx="2">
+            <a:schemeClr val="accent1">
+              <a:shade val="50000"/>
+            </a:schemeClr>
+          </a:lnRef>
+          <a:fillRef idx="1">
+            <a:schemeClr val="accent1"/>
+          </a:fillRef>
+          <a:effectRef idx="0">
+            <a:schemeClr val="accent1"/>
+          </a:effectRef>
+          <a:fontRef idx="minor">
+            <a:schemeClr val="lt1"/>
+          </a:fontRef>
+        </p:style>
+        <p:txBody>
+          <a:bodyPr rtlCol="0" anchor="ctr"/>
+          <a:lstStyle/>
+          <a:p>
+            <a:pPr algn="ctr"/>
+            <a:r>
+              <a:rPr kumimoji="1" lang="ja-JP" altLang="en-US" sz="2800" dirty="0" smtClean="0">
+                <a:solidFill>
+                  <a:schemeClr val="tx1"/>
+                </a:solidFill>
+                <a:latin typeface="ＤＦＰ勘亭流" panose="03000800010101010101" pitchFamily="66" charset="-128"/>
+                <a:ea typeface="ＤＦＰ勘亭流" panose="03000800010101010101" pitchFamily="66" charset="-128"/>
+              </a:rPr>
+              <a:t>プレイヤーは太陽を操作できます。</a:t>
+            </a:r>
+            <a:endParaRPr kumimoji="1" lang="en-US" altLang="ja-JP" sz="2800" dirty="0" smtClean="0">
+              <a:solidFill>
+                <a:schemeClr val="tx1"/>
+              </a:solidFill>
+              <a:latin typeface="ＤＦＰ勘亭流" panose="03000800010101010101" pitchFamily="66" charset="-128"/>
+              <a:ea typeface="ＤＦＰ勘亭流" panose="03000800010101010101" pitchFamily="66" charset="-128"/>
+            </a:endParaRPr>
+          </a:p>
+          <a:p>
+            <a:pPr algn="ctr"/>
+            <a:r>
+              <a:rPr lang="ja-JP" altLang="en-US" sz="2800" dirty="0" smtClean="0">
+                <a:solidFill>
+                  <a:schemeClr val="tx1"/>
+                </a:solidFill>
+                <a:latin typeface="ＤＦＰ勘亭流" panose="03000800010101010101" pitchFamily="66" charset="-128"/>
+                <a:ea typeface="ＤＦＰ勘亭流" panose="03000800010101010101" pitchFamily="66" charset="-128"/>
+              </a:rPr>
+              <a:t>太陽の周りを回っている青い星が彗星です。</a:t>
+            </a:r>
+            <a:endParaRPr kumimoji="1" lang="en-US" altLang="ja-JP" sz="2800" dirty="0" smtClean="0">
+              <a:solidFill>
+                <a:schemeClr val="tx1"/>
+              </a:solidFill>
+              <a:latin typeface="ＤＦＰ勘亭流" panose="03000800010101010101" pitchFamily="66" charset="-128"/>
+              <a:ea typeface="ＤＦＰ勘亭流" panose="03000800010101010101" pitchFamily="66" charset="-128"/>
+            </a:endParaRPr>
+          </a:p>
+          <a:p>
+            <a:pPr algn="ctr"/>
+            <a:r>
+              <a:rPr kumimoji="1" lang="ja-JP" altLang="en-US" sz="2800" dirty="0" smtClean="0">
+                <a:solidFill>
+                  <a:schemeClr val="tx1"/>
+                </a:solidFill>
+                <a:latin typeface="ＤＦＰ勘亭流" panose="03000800010101010101" pitchFamily="66" charset="-128"/>
+                <a:ea typeface="ＤＦＰ勘亭流" panose="03000800010101010101" pitchFamily="66" charset="-128"/>
+              </a:rPr>
+              <a:t>太陽との距離</a:t>
+            </a:r>
+            <a:r>
+              <a:rPr lang="ja-JP" altLang="en-US" sz="2800" dirty="0" smtClean="0">
+                <a:solidFill>
+                  <a:schemeClr val="tx1"/>
+                </a:solidFill>
+                <a:latin typeface="ＤＦＰ勘亭流" panose="03000800010101010101" pitchFamily="66" charset="-128"/>
+                <a:ea typeface="ＤＦＰ勘亭流" panose="03000800010101010101" pitchFamily="66" charset="-128"/>
+              </a:rPr>
+              <a:t>に応じて伸縮する彗星の尾を使い</a:t>
+            </a:r>
+            <a:endParaRPr lang="en-US" altLang="ja-JP" sz="2800" dirty="0" smtClean="0">
+              <a:solidFill>
+                <a:schemeClr val="tx1"/>
+              </a:solidFill>
+              <a:latin typeface="ＤＦＰ勘亭流" panose="03000800010101010101" pitchFamily="66" charset="-128"/>
+              <a:ea typeface="ＤＦＰ勘亭流" panose="03000800010101010101" pitchFamily="66" charset="-128"/>
+            </a:endParaRPr>
+          </a:p>
+          <a:p>
+            <a:pPr algn="ctr"/>
+            <a:r>
+              <a:rPr lang="ja-JP" altLang="en-US" sz="2800" dirty="0" smtClean="0">
+                <a:solidFill>
+                  <a:schemeClr val="tx1"/>
+                </a:solidFill>
+                <a:latin typeface="ＤＦＰ勘亭流" panose="03000800010101010101" pitchFamily="66" charset="-128"/>
+                <a:ea typeface="ＤＦＰ勘亭流" panose="03000800010101010101" pitchFamily="66" charset="-128"/>
+              </a:rPr>
+              <a:t>障害物となる赤い星を破壊しよう！</a:t>
+            </a:r>
+            <a:endParaRPr kumimoji="1" lang="ja-JP" altLang="en-US" sz="2800" dirty="0">
+              <a:solidFill>
+                <a:schemeClr val="tx1"/>
+              </a:solidFill>
+              <a:latin typeface="ＤＦＰ勘亭流" panose="03000800010101010101" pitchFamily="66" charset="-128"/>
+              <a:ea typeface="ＤＦＰ勘亭流" panose="03000800010101010101" pitchFamily="66" charset="-128"/>
+            </a:endParaRPr>
+          </a:p>
+        </p:txBody>
+      </p:sp>
+      <p:pic>
+        <p:nvPicPr>
+          <p:cNvPr id="24" name="図 23"/>
+          <p:cNvPicPr>
+            <a:picLocks noChangeAspect="1"/>
+          </p:cNvPicPr>
+          <p:nvPr/>
+        </p:nvPicPr>
+        <p:blipFill>
+          <a:blip r:embed="rId5"/>
+          <a:stretch>
+            <a:fillRect/>
+          </a:stretch>
+        </p:blipFill>
+        <p:spPr>
+          <a:xfrm>
+            <a:off x="8896181" y="31574"/>
+            <a:ext cx="3295819" cy="3397425"/>
+          </a:xfrm>
+          <a:prstGeom prst="rect">
+            <a:avLst/>
+          </a:prstGeom>
+        </p:spPr>
+      </p:pic>
+      <p:sp>
+        <p:nvSpPr>
+          <p:cNvPr id="25" name="ストライプ矢印 24"/>
+          <p:cNvSpPr/>
+          <p:nvPr/>
+        </p:nvSpPr>
+        <p:spPr>
+          <a:xfrm>
+            <a:off x="3549535" y="1330960"/>
+            <a:ext cx="904757" cy="930488"/>
+          </a:xfrm>
+          <a:prstGeom prst="stripedRightArrow">
+            <a:avLst/>
+          </a:prstGeom>
+          <a:solidFill>
+            <a:schemeClr val="accent2">
+              <a:lumMod val="60000"/>
+              <a:lumOff val="40000"/>
+            </a:schemeClr>
+          </a:solidFill>
+        </p:spPr>
+        <p:style>
+          <a:lnRef idx="2">
+            <a:schemeClr val="accent1">
+              <a:shade val="50000"/>
+            </a:schemeClr>
+          </a:lnRef>
+          <a:fillRef idx="1">
+            <a:schemeClr val="accent1"/>
+          </a:fillRef>
+          <a:effectRef idx="0">
+            <a:schemeClr val="accent1"/>
+          </a:effectRef>
+          <a:fontRef idx="minor">
+            <a:schemeClr val="lt1"/>
+          </a:fontRef>
+        </p:style>
+        <p:txBody>
+          <a:bodyPr rtlCol="0" anchor="ctr"/>
+          <a:lstStyle/>
+          <a:p>
+            <a:pPr algn="ctr"/>
+            <a:endParaRPr kumimoji="1" lang="ja-JP" altLang="en-US"/>
+          </a:p>
+        </p:txBody>
+      </p:sp>
+      <p:sp>
+        <p:nvSpPr>
+          <p:cNvPr id="26" name="ストライプ矢印 25"/>
+          <p:cNvSpPr/>
+          <p:nvPr/>
+        </p:nvSpPr>
+        <p:spPr>
+          <a:xfrm>
+            <a:off x="8003827" y="1330960"/>
+            <a:ext cx="904757" cy="930488"/>
+          </a:xfrm>
+          <a:prstGeom prst="stripedRightArrow">
+            <a:avLst/>
+          </a:prstGeom>
+          <a:solidFill>
+            <a:schemeClr val="accent2">
+              <a:lumMod val="60000"/>
+              <a:lumOff val="40000"/>
+            </a:schemeClr>
+          </a:solidFill>
+        </p:spPr>
+        <p:style>
+          <a:lnRef idx="2">
+            <a:schemeClr val="accent1">
+              <a:shade val="50000"/>
+            </a:schemeClr>
+          </a:lnRef>
+          <a:fillRef idx="1">
+            <a:schemeClr val="accent1"/>
+          </a:fillRef>
+          <a:effectRef idx="0">
+            <a:schemeClr val="accent1"/>
+          </a:effectRef>
+          <a:fontRef idx="minor">
+            <a:schemeClr val="lt1"/>
+          </a:fontRef>
+        </p:style>
+        <p:txBody>
+          <a:bodyPr rtlCol="0" anchor="ctr"/>
+          <a:lstStyle/>
+          <a:p>
+            <a:pPr algn="ctr"/>
+            <a:endParaRPr kumimoji="1" lang="ja-JP" altLang="en-US"/>
+          </a:p>
+        </p:txBody>
+      </p:sp>
+    </p:spTree>
+    <p:extLst>
+      <p:ext uri="{BB962C8B-B14F-4D97-AF65-F5344CB8AC3E}">
+        <p14:creationId xmlns:p14="http://schemas.microsoft.com/office/powerpoint/2010/main" val="1045385906"/>
+      </p:ext>
+    </p:extLst>
+  </p:cSld>
+  <p:clrMapOvr>
+    <a:masterClrMapping/>
+  </p:clrMapOvr>
+</p:sld>
+</file>
+
+<file path=ppt/slides/slide3.xml><?xml version="1.0" encoding="utf-8"?>
+<p:sld xmlns:a="http://schemas.openxmlformats.org/drawingml/2006/main" xmlns:r="http://schemas.openxmlformats.org/officeDocument/2006/relationships" xmlns:p="http://schemas.openxmlformats.org/presentationml/2006/main">
+  <p:cSld>
+    <p:spTree>
+      <p:nvGrpSpPr>
+        <p:cNvPr id="1" name=""/>
+        <p:cNvGrpSpPr/>
+        <p:nvPr/>
+      </p:nvGrpSpPr>
+      <p:grpSpPr>
+        <a:xfrm>
+          <a:off x="0" y="0"/>
+          <a:ext cx="0" cy="0"/>
+          <a:chOff x="0" y="0"/>
+          <a:chExt cx="0" cy="0"/>
+        </a:xfrm>
+      </p:grpSpPr>
+      <p:pic>
+        <p:nvPicPr>
           <p:cNvPr id="2" name="図 1"/>
           <p:cNvPicPr>
             <a:picLocks noChangeAspect="1"/>

--- a/使うやつ/tutorial/チュートリアル.pptx
+++ b/使うやつ/tutorial/チュートリアル.pptx
@@ -5,9 +5,9 @@
     <p:sldMasterId id="2147483648" r:id="rId1"/>
   </p:sldMasterIdLst>
   <p:sldIdLst>
-    <p:sldId id="257" r:id="rId2"/>
-    <p:sldId id="259" r:id="rId3"/>
-    <p:sldId id="258" r:id="rId4"/>
+    <p:sldId id="259" r:id="rId2"/>
+    <p:sldId id="257" r:id="rId3"/>
+    <p:sldId id="260" r:id="rId4"/>
   </p:sldIdLst>
   <p:sldSz cx="12192000" cy="6858000"/>
   <p:notesSz cx="6858000" cy="9144000"/>
@@ -3281,7 +3281,7 @@
         </p:blipFill>
         <p:spPr>
           <a:xfrm>
-            <a:off x="-1" y="-1"/>
+            <a:off x="283701" y="-30122"/>
             <a:ext cx="12192001" cy="6858001"/>
           </a:xfrm>
           <a:prstGeom prst="rect">
@@ -3291,16 +3291,16 @@
       </p:pic>
       <p:grpSp>
         <p:nvGrpSpPr>
-          <p:cNvPr id="22" name="グループ化 21"/>
+          <p:cNvPr id="7" name="グループ化 6"/>
           <p:cNvGrpSpPr/>
           <p:nvPr/>
         </p:nvGrpSpPr>
         <p:grpSpPr>
           <a:xfrm>
-            <a:off x="0" y="-2"/>
-            <a:ext cx="3549535" cy="3429001"/>
-            <a:chOff x="-1" y="0"/>
-            <a:chExt cx="3549535" cy="3484879"/>
+            <a:off x="814384" y="1444673"/>
+            <a:ext cx="5253037" cy="5074656"/>
+            <a:chOff x="1816835" y="600074"/>
+            <a:chExt cx="3549535" cy="3429001"/>
           </a:xfrm>
         </p:grpSpPr>
         <p:pic>
@@ -3319,160 +3319,56 @@
           </p:blipFill>
           <p:spPr>
             <a:xfrm>
-              <a:off x="-1" y="0"/>
-              <a:ext cx="3549535" cy="3484879"/>
+              <a:off x="1816835" y="600074"/>
+              <a:ext cx="3549535" cy="3429001"/>
             </a:xfrm>
             <a:prstGeom prst="rect">
               <a:avLst/>
             </a:prstGeom>
+            <a:effectLst>
+              <a:softEdge rad="368300"/>
+            </a:effectLst>
           </p:spPr>
         </p:pic>
         <p:sp>
           <p:nvSpPr>
-            <p:cNvPr id="5" name="下矢印 4"/>
-            <p:cNvSpPr/>
-            <p:nvPr/>
-          </p:nvSpPr>
-          <p:spPr>
-            <a:xfrm rot="10800000">
-              <a:off x="1571104" y="1094317"/>
-              <a:ext cx="357448" cy="365608"/>
-            </a:xfrm>
-            <a:prstGeom prst="downArrow">
-              <a:avLst/>
-            </a:prstGeom>
-          </p:spPr>
-          <p:style>
-            <a:lnRef idx="2">
-              <a:schemeClr val="accent4">
-                <a:shade val="50000"/>
-              </a:schemeClr>
-            </a:lnRef>
-            <a:fillRef idx="1">
-              <a:schemeClr val="accent4"/>
-            </a:fillRef>
-            <a:effectRef idx="0">
-              <a:schemeClr val="accent4"/>
-            </a:effectRef>
-            <a:fontRef idx="minor">
-              <a:schemeClr val="lt1"/>
-            </a:fontRef>
-          </p:style>
-          <p:txBody>
-            <a:bodyPr rtlCol="0" anchor="ctr"/>
-            <a:lstStyle/>
-            <a:p>
-              <a:pPr algn="ctr"/>
-              <a:endParaRPr kumimoji="1" lang="ja-JP" altLang="en-US"/>
-            </a:p>
-          </p:txBody>
-        </p:sp>
-        <p:sp>
-          <p:nvSpPr>
-            <p:cNvPr id="13" name="下矢印 12"/>
+            <p:cNvPr id="2" name="楕円 1"/>
             <p:cNvSpPr/>
             <p:nvPr/>
           </p:nvSpPr>
           <p:spPr>
             <a:xfrm>
-              <a:off x="1571104" y="1932694"/>
-              <a:ext cx="357448" cy="365608"/>
+              <a:off x="2771770" y="1514470"/>
+              <a:ext cx="1528762" cy="1528762"/>
             </a:xfrm>
-            <a:prstGeom prst="downArrow">
+            <a:prstGeom prst="ellipse">
               <a:avLst/>
             </a:prstGeom>
+            <a:solidFill>
+              <a:srgbClr val="FFC000">
+                <a:alpha val="14000"/>
+              </a:srgbClr>
+            </a:solidFill>
+            <a:ln>
+              <a:noFill/>
+            </a:ln>
+            <a:effectLst>
+              <a:glow>
+                <a:srgbClr val="FFC000"/>
+              </a:glow>
+            </a:effectLst>
           </p:spPr>
           <p:style>
             <a:lnRef idx="2">
-              <a:schemeClr val="accent4">
+              <a:schemeClr val="accent1">
                 <a:shade val="50000"/>
               </a:schemeClr>
             </a:lnRef>
             <a:fillRef idx="1">
-              <a:schemeClr val="accent4"/>
+              <a:schemeClr val="accent1"/>
             </a:fillRef>
             <a:effectRef idx="0">
-              <a:schemeClr val="accent4"/>
-            </a:effectRef>
-            <a:fontRef idx="minor">
-              <a:schemeClr val="lt1"/>
-            </a:fontRef>
-          </p:style>
-          <p:txBody>
-            <a:bodyPr rtlCol="0" anchor="ctr"/>
-            <a:lstStyle/>
-            <a:p>
-              <a:pPr algn="ctr"/>
-              <a:endParaRPr kumimoji="1" lang="ja-JP" altLang="en-US"/>
-            </a:p>
-          </p:txBody>
-        </p:sp>
-        <p:sp>
-          <p:nvSpPr>
-            <p:cNvPr id="14" name="下矢印 13"/>
-            <p:cNvSpPr/>
-            <p:nvPr/>
-          </p:nvSpPr>
-          <p:spPr>
-            <a:xfrm rot="5400000">
-              <a:off x="1138917" y="1513860"/>
-              <a:ext cx="357299" cy="365760"/>
-            </a:xfrm>
-            <a:prstGeom prst="downArrow">
-              <a:avLst/>
-            </a:prstGeom>
-          </p:spPr>
-          <p:style>
-            <a:lnRef idx="2">
-              <a:schemeClr val="accent4">
-                <a:shade val="50000"/>
-              </a:schemeClr>
-            </a:lnRef>
-            <a:fillRef idx="1">
-              <a:schemeClr val="accent4"/>
-            </a:fillRef>
-            <a:effectRef idx="0">
-              <a:schemeClr val="accent4"/>
-            </a:effectRef>
-            <a:fontRef idx="minor">
-              <a:schemeClr val="lt1"/>
-            </a:fontRef>
-          </p:style>
-          <p:txBody>
-            <a:bodyPr rtlCol="0" anchor="ctr"/>
-            <a:lstStyle/>
-            <a:p>
-              <a:pPr algn="ctr"/>
-              <a:endParaRPr kumimoji="1" lang="ja-JP" altLang="en-US"/>
-            </a:p>
-          </p:txBody>
-        </p:sp>
-        <p:sp>
-          <p:nvSpPr>
-            <p:cNvPr id="15" name="下矢印 14"/>
-            <p:cNvSpPr/>
-            <p:nvPr/>
-          </p:nvSpPr>
-          <p:spPr>
-            <a:xfrm rot="16200000">
-              <a:off x="1982658" y="1513860"/>
-              <a:ext cx="357299" cy="365760"/>
-            </a:xfrm>
-            <a:prstGeom prst="downArrow">
-              <a:avLst/>
-            </a:prstGeom>
-          </p:spPr>
-          <p:style>
-            <a:lnRef idx="2">
-              <a:schemeClr val="accent4">
-                <a:shade val="50000"/>
-              </a:schemeClr>
-            </a:lnRef>
-            <a:fillRef idx="1">
-              <a:schemeClr val="accent4"/>
-            </a:fillRef>
-            <a:effectRef idx="0">
-              <a:schemeClr val="accent4"/>
+              <a:schemeClr val="accent1"/>
             </a:effectRef>
             <a:fontRef idx="minor">
               <a:schemeClr val="lt1"/>
@@ -3490,22 +3386,28 @@
       </p:grpSp>
       <p:pic>
         <p:nvPicPr>
-          <p:cNvPr id="20" name="図 19"/>
+          <p:cNvPr id="6" name="図 5"/>
           <p:cNvPicPr>
             <a:picLocks noChangeAspect="1"/>
           </p:cNvPicPr>
           <p:nvPr/>
         </p:nvPicPr>
         <p:blipFill>
-          <a:blip r:embed="rId4"/>
+          <a:blip r:embed="rId4" cstate="print">
+            <a:extLst>
+              <a:ext uri="{28A0092B-C50C-407E-A947-70E740481C1C}">
+                <a14:useLocalDpi xmlns:a14="http://schemas.microsoft.com/office/drawing/2010/main" val="0"/>
+              </a:ext>
+            </a:extLst>
+          </a:blip>
           <a:stretch>
             <a:fillRect/>
           </a:stretch>
         </p:blipFill>
         <p:spPr>
-          <a:xfrm>
-            <a:off x="4454292" y="27180"/>
-            <a:ext cx="3537132" cy="3373121"/>
+          <a:xfrm rot="2154356">
+            <a:off x="1585366" y="2005357"/>
+            <a:ext cx="3682496" cy="3682496"/>
           </a:xfrm>
           <a:prstGeom prst="rect">
             <a:avLst/>
@@ -3520,18 +3422,25 @@
         </p:nvSpPr>
         <p:spPr>
           <a:xfrm>
-            <a:off x="355600" y="3756109"/>
-            <a:ext cx="11460480" cy="2919012"/>
+            <a:off x="4196847" y="368761"/>
+            <a:ext cx="8278855" cy="1761328"/>
           </a:xfrm>
           <a:prstGeom prst="flowChartAlternateProcess">
             <a:avLst/>
           </a:prstGeom>
           <a:solidFill>
-            <a:schemeClr val="accent4">
-              <a:lumMod val="40000"/>
-              <a:lumOff val="60000"/>
+            <a:schemeClr val="tx1">
+              <a:lumMod val="75000"/>
+              <a:lumOff val="25000"/>
+              <a:alpha val="0"/>
             </a:schemeClr>
           </a:solidFill>
+          <a:ln>
+            <a:noFill/>
+          </a:ln>
+          <a:effectLst>
+            <a:softEdge rad="12700"/>
+          </a:effectLst>
         </p:spPr>
         <p:style>
           <a:lnRef idx="2">
@@ -3555,19 +3464,117 @@
           <a:p>
             <a:pPr algn="ctr"/>
             <a:r>
-              <a:rPr kumimoji="1" lang="ja-JP" altLang="en-US" sz="2800" dirty="0" smtClean="0">
+              <a:rPr lang="ja-JP" altLang="en-US" sz="2800" dirty="0" smtClean="0">
                 <a:solidFill>
-                  <a:schemeClr val="tx1"/>
+                  <a:schemeClr val="bg1">
+                    <a:lumMod val="95000"/>
+                  </a:schemeClr>
                 </a:solidFill>
+                <a:effectLst>
+                  <a:glow rad="406400">
+                    <a:schemeClr val="bg1">
+                      <a:lumMod val="85000"/>
+                      <a:alpha val="40000"/>
+                    </a:schemeClr>
+                  </a:glow>
+                </a:effectLst>
                 <a:latin typeface="ＤＦＰ勘亭流" panose="03000800010101010101" pitchFamily="66" charset="-128"/>
                 <a:ea typeface="ＤＦＰ勘亭流" panose="03000800010101010101" pitchFamily="66" charset="-128"/>
               </a:rPr>
-              <a:t>プレイヤーは太陽を操作できます。</a:t>
+              <a:t>このゲームは</a:t>
+            </a:r>
+            <a:r>
+              <a:rPr kumimoji="1" lang="ja-JP" altLang="en-US" sz="3600" b="1" dirty="0" smtClean="0">
+                <a:solidFill>
+                  <a:srgbClr val="FFC000"/>
+                </a:solidFill>
+                <a:effectLst>
+                  <a:glow rad="406400">
+                    <a:schemeClr val="bg1">
+                      <a:lumMod val="95000"/>
+                      <a:alpha val="40000"/>
+                    </a:schemeClr>
+                  </a:glow>
+                </a:effectLst>
+                <a:latin typeface="ＤＦＰ勘亭流" panose="03000800010101010101" pitchFamily="66" charset="-128"/>
+                <a:ea typeface="ＤＦＰ勘亭流" panose="03000800010101010101" pitchFamily="66" charset="-128"/>
+              </a:rPr>
+              <a:t>太陽</a:t>
+            </a:r>
+            <a:r>
+              <a:rPr kumimoji="1" lang="ja-JP" altLang="en-US" sz="2800" dirty="0" smtClean="0">
+                <a:solidFill>
+                  <a:schemeClr val="bg1">
+                    <a:lumMod val="95000"/>
+                  </a:schemeClr>
+                </a:solidFill>
+                <a:effectLst>
+                  <a:glow rad="406400">
+                    <a:schemeClr val="bg1">
+                      <a:lumMod val="85000"/>
+                      <a:alpha val="40000"/>
+                    </a:schemeClr>
+                  </a:glow>
+                </a:effectLst>
+                <a:latin typeface="ＤＦＰ勘亭流" panose="03000800010101010101" pitchFamily="66" charset="-128"/>
+                <a:ea typeface="ＤＦＰ勘亭流" panose="03000800010101010101" pitchFamily="66" charset="-128"/>
+              </a:rPr>
+              <a:t>を</a:t>
+            </a:r>
+            <a:r>
+              <a:rPr kumimoji="1" lang="ja-JP" altLang="en-US" sz="2800" dirty="0" smtClean="0">
+                <a:solidFill>
+                  <a:schemeClr val="bg1">
+                    <a:lumMod val="95000"/>
+                  </a:schemeClr>
+                </a:solidFill>
+                <a:effectLst>
+                  <a:glow rad="406400">
+                    <a:schemeClr val="bg1">
+                      <a:lumMod val="85000"/>
+                      <a:alpha val="40000"/>
+                    </a:schemeClr>
+                  </a:glow>
+                </a:effectLst>
+                <a:latin typeface="ＤＦＰ勘亭流" panose="03000800010101010101" pitchFamily="66" charset="-128"/>
+                <a:ea typeface="ＤＦＰ勘亭流" panose="03000800010101010101" pitchFamily="66" charset="-128"/>
+              </a:rPr>
+              <a:t>操作</a:t>
+            </a:r>
+            <a:r>
+              <a:rPr lang="ja-JP" altLang="en-US" sz="2800" dirty="0" smtClean="0">
+                <a:solidFill>
+                  <a:schemeClr val="bg1">
+                    <a:lumMod val="95000"/>
+                  </a:schemeClr>
+                </a:solidFill>
+                <a:effectLst>
+                  <a:glow rad="406400">
+                    <a:schemeClr val="bg1">
+                      <a:lumMod val="85000"/>
+                      <a:alpha val="40000"/>
+                    </a:schemeClr>
+                  </a:glow>
+                </a:effectLst>
+                <a:latin typeface="ＤＦＰ勘亭流" panose="03000800010101010101" pitchFamily="66" charset="-128"/>
+                <a:ea typeface="ＤＦＰ勘亭流" panose="03000800010101010101" pitchFamily="66" charset="-128"/>
+              </a:rPr>
+              <a:t>してプレイします。</a:t>
             </a:r>
             <a:endParaRPr kumimoji="1" lang="en-US" altLang="ja-JP" sz="2800" dirty="0" smtClean="0">
               <a:solidFill>
-                <a:schemeClr val="tx1"/>
+                <a:schemeClr val="bg1">
+                  <a:lumMod val="95000"/>
+                </a:schemeClr>
               </a:solidFill>
+              <a:effectLst>
+                <a:glow rad="406400">
+                  <a:schemeClr val="bg1">
+                    <a:lumMod val="85000"/>
+                    <a:alpha val="40000"/>
+                  </a:schemeClr>
+                </a:glow>
+              </a:effectLst>
               <a:latin typeface="ＤＦＰ勘亭流" panose="03000800010101010101" pitchFamily="66" charset="-128"/>
               <a:ea typeface="ＤＦＰ勘亭流" panose="03000800010101010101" pitchFamily="66" charset="-128"/>
             </a:endParaRPr>
@@ -3577,17 +3584,113 @@
             <a:r>
               <a:rPr lang="ja-JP" altLang="en-US" sz="2800" dirty="0" smtClean="0">
                 <a:solidFill>
-                  <a:schemeClr val="tx1"/>
+                  <a:schemeClr val="bg1">
+                    <a:lumMod val="95000"/>
+                  </a:schemeClr>
                 </a:solidFill>
+                <a:effectLst>
+                  <a:glow rad="406400">
+                    <a:schemeClr val="bg1">
+                      <a:lumMod val="85000"/>
+                      <a:alpha val="40000"/>
+                    </a:schemeClr>
+                  </a:glow>
+                </a:effectLst>
                 <a:latin typeface="ＤＦＰ勘亭流" panose="03000800010101010101" pitchFamily="66" charset="-128"/>
                 <a:ea typeface="ＤＦＰ勘亭流" panose="03000800010101010101" pitchFamily="66" charset="-128"/>
               </a:rPr>
-              <a:t>太陽の周りを回っている青い星が彗星です。</a:t>
+              <a:t>太陽の周りを回っている</a:t>
+            </a:r>
+            <a:r>
+              <a:rPr lang="ja-JP" altLang="en-US" sz="2800" dirty="0" smtClean="0">
+                <a:solidFill>
+                  <a:srgbClr val="00B0F0"/>
+                </a:solidFill>
+                <a:effectLst>
+                  <a:glow rad="406400">
+                    <a:schemeClr val="bg1">
+                      <a:lumMod val="85000"/>
+                      <a:alpha val="40000"/>
+                    </a:schemeClr>
+                  </a:glow>
+                </a:effectLst>
+                <a:latin typeface="ＤＦＰ勘亭流" panose="03000800010101010101" pitchFamily="66" charset="-128"/>
+                <a:ea typeface="ＤＦＰ勘亭流" panose="03000800010101010101" pitchFamily="66" charset="-128"/>
+              </a:rPr>
+              <a:t>青い星</a:t>
+            </a:r>
+            <a:r>
+              <a:rPr lang="ja-JP" altLang="en-US" sz="2800" dirty="0" smtClean="0">
+                <a:solidFill>
+                  <a:schemeClr val="bg1">
+                    <a:lumMod val="95000"/>
+                  </a:schemeClr>
+                </a:solidFill>
+                <a:effectLst>
+                  <a:glow rad="406400">
+                    <a:schemeClr val="bg1">
+                      <a:lumMod val="85000"/>
+                      <a:alpha val="40000"/>
+                    </a:schemeClr>
+                  </a:glow>
+                </a:effectLst>
+                <a:latin typeface="ＤＦＰ勘亭流" panose="03000800010101010101" pitchFamily="66" charset="-128"/>
+                <a:ea typeface="ＤＦＰ勘亭流" panose="03000800010101010101" pitchFamily="66" charset="-128"/>
+              </a:rPr>
+              <a:t>が</a:t>
+            </a:r>
+            <a:r>
+              <a:rPr lang="ja-JP" altLang="en-US" sz="3600" b="1" dirty="0" smtClean="0">
+                <a:solidFill>
+                  <a:srgbClr val="00B0F0"/>
+                </a:solidFill>
+                <a:effectLst>
+                  <a:glow rad="406400">
+                    <a:schemeClr val="bg1">
+                      <a:lumMod val="85000"/>
+                      <a:alpha val="40000"/>
+                    </a:schemeClr>
+                  </a:glow>
+                </a:effectLst>
+                <a:latin typeface="ＤＦＰ勘亭流" panose="03000800010101010101" pitchFamily="66" charset="-128"/>
+                <a:ea typeface="ＤＦＰ勘亭流" panose="03000800010101010101" pitchFamily="66" charset="-128"/>
+              </a:rPr>
+              <a:t>彗星</a:t>
+            </a:r>
+            <a:r>
+              <a:rPr lang="ja-JP" altLang="en-US" sz="2800" dirty="0" smtClean="0">
+                <a:solidFill>
+                  <a:schemeClr val="bg1">
+                    <a:lumMod val="95000"/>
+                  </a:schemeClr>
+                </a:solidFill>
+                <a:effectLst>
+                  <a:glow rad="406400">
+                    <a:schemeClr val="bg1">
+                      <a:lumMod val="85000"/>
+                      <a:alpha val="40000"/>
+                    </a:schemeClr>
+                  </a:glow>
+                </a:effectLst>
+                <a:latin typeface="ＤＦＰ勘亭流" panose="03000800010101010101" pitchFamily="66" charset="-128"/>
+                <a:ea typeface="ＤＦＰ勘亭流" panose="03000800010101010101" pitchFamily="66" charset="-128"/>
+              </a:rPr>
+              <a:t>です。</a:t>
             </a:r>
             <a:endParaRPr kumimoji="1" lang="en-US" altLang="ja-JP" sz="2800" dirty="0" smtClean="0">
               <a:solidFill>
-                <a:schemeClr val="tx1"/>
+                <a:schemeClr val="bg1">
+                  <a:lumMod val="95000"/>
+                </a:schemeClr>
               </a:solidFill>
+              <a:effectLst>
+                <a:glow rad="406400">
+                  <a:schemeClr val="bg1">
+                    <a:lumMod val="85000"/>
+                    <a:alpha val="40000"/>
+                  </a:schemeClr>
+                </a:glow>
+              </a:effectLst>
               <a:latin typeface="ＤＦＰ勘亭流" panose="03000800010101010101" pitchFamily="66" charset="-128"/>
               <a:ea typeface="ＤＦＰ勘亭流" panose="03000800010101010101" pitchFamily="66" charset="-128"/>
             </a:endParaRPr>
@@ -3597,173 +3700,573 @@
             <a:r>
               <a:rPr kumimoji="1" lang="ja-JP" altLang="en-US" sz="2800" dirty="0" smtClean="0">
                 <a:solidFill>
-                  <a:schemeClr val="tx1"/>
+                  <a:schemeClr val="bg1">
+                    <a:lumMod val="95000"/>
+                  </a:schemeClr>
                 </a:solidFill>
+                <a:effectLst>
+                  <a:glow rad="406400">
+                    <a:schemeClr val="bg1">
+                      <a:lumMod val="85000"/>
+                      <a:alpha val="40000"/>
+                    </a:schemeClr>
+                  </a:glow>
+                </a:effectLst>
                 <a:latin typeface="ＤＦＰ勘亭流" panose="03000800010101010101" pitchFamily="66" charset="-128"/>
                 <a:ea typeface="ＤＦＰ勘亭流" panose="03000800010101010101" pitchFamily="66" charset="-128"/>
               </a:rPr>
-              <a:t>太陽との距離</a:t>
+              <a:t>太陽</a:t>
             </a:r>
             <a:r>
               <a:rPr lang="ja-JP" altLang="en-US" sz="2800" dirty="0" smtClean="0">
                 <a:solidFill>
-                  <a:schemeClr val="tx1"/>
+                  <a:schemeClr val="bg1">
+                    <a:lumMod val="95000"/>
+                  </a:schemeClr>
                 </a:solidFill>
+                <a:effectLst>
+                  <a:glow rad="406400">
+                    <a:schemeClr val="bg1">
+                      <a:lumMod val="85000"/>
+                      <a:alpha val="40000"/>
+                    </a:schemeClr>
+                  </a:glow>
+                </a:effectLst>
                 <a:latin typeface="ＤＦＰ勘亭流" panose="03000800010101010101" pitchFamily="66" charset="-128"/>
                 <a:ea typeface="ＤＦＰ勘亭流" panose="03000800010101010101" pitchFamily="66" charset="-128"/>
               </a:rPr>
-              <a:t>に応じて伸縮する彗星の尾を使い</a:t>
+              <a:t>を動かせる範囲は彗星の描く</a:t>
+            </a:r>
+            <a:r>
+              <a:rPr lang="ja-JP" altLang="en-US" sz="3600" dirty="0" smtClean="0">
+                <a:solidFill>
+                  <a:schemeClr val="bg1">
+                    <a:lumMod val="95000"/>
+                  </a:schemeClr>
+                </a:solidFill>
+                <a:effectLst>
+                  <a:glow rad="406400">
+                    <a:schemeClr val="bg1">
+                      <a:lumMod val="85000"/>
+                      <a:alpha val="40000"/>
+                    </a:schemeClr>
+                  </a:glow>
+                </a:effectLst>
+                <a:latin typeface="ＤＦＰ勘亭流" panose="03000800010101010101" pitchFamily="66" charset="-128"/>
+                <a:ea typeface="ＤＦＰ勘亭流" panose="03000800010101010101" pitchFamily="66" charset="-128"/>
+              </a:rPr>
+              <a:t>円内のみ</a:t>
+            </a:r>
+            <a:r>
+              <a:rPr lang="ja-JP" altLang="en-US" sz="2800" dirty="0" smtClean="0">
+                <a:solidFill>
+                  <a:schemeClr val="bg1">
+                    <a:lumMod val="95000"/>
+                  </a:schemeClr>
+                </a:solidFill>
+                <a:effectLst>
+                  <a:glow rad="406400">
+                    <a:schemeClr val="bg1">
+                      <a:lumMod val="85000"/>
+                      <a:alpha val="40000"/>
+                    </a:schemeClr>
+                  </a:glow>
+                </a:effectLst>
+                <a:latin typeface="ＤＦＰ勘亭流" panose="03000800010101010101" pitchFamily="66" charset="-128"/>
+                <a:ea typeface="ＤＦＰ勘亭流" panose="03000800010101010101" pitchFamily="66" charset="-128"/>
+              </a:rPr>
+              <a:t>です。</a:t>
             </a:r>
             <a:endParaRPr lang="en-US" altLang="ja-JP" sz="2800" dirty="0" smtClean="0">
               <a:solidFill>
-                <a:schemeClr val="tx1"/>
+                <a:schemeClr val="bg1">
+                  <a:lumMod val="95000"/>
+                </a:schemeClr>
               </a:solidFill>
+              <a:effectLst>
+                <a:glow rad="406400">
+                  <a:schemeClr val="bg1">
+                    <a:lumMod val="85000"/>
+                    <a:alpha val="40000"/>
+                  </a:schemeClr>
+                </a:glow>
+              </a:effectLst>
               <a:latin typeface="ＤＦＰ勘亭流" panose="03000800010101010101" pitchFamily="66" charset="-128"/>
               <a:ea typeface="ＤＦＰ勘亭流" panose="03000800010101010101" pitchFamily="66" charset="-128"/>
             </a:endParaRPr>
           </a:p>
-          <a:p>
-            <a:pPr algn="ctr"/>
-            <a:r>
-              <a:rPr lang="ja-JP" altLang="en-US" sz="2800" dirty="0" smtClean="0">
-                <a:solidFill>
-                  <a:schemeClr val="tx1"/>
-                </a:solidFill>
-                <a:latin typeface="ＤＦＰ勘亭流" panose="03000800010101010101" pitchFamily="66" charset="-128"/>
-                <a:ea typeface="ＤＦＰ勘亭流" panose="03000800010101010101" pitchFamily="66" charset="-128"/>
-              </a:rPr>
-              <a:t>障害物となる赤い星を破壊しよう！</a:t>
-            </a:r>
-            <a:endParaRPr kumimoji="1" lang="ja-JP" altLang="en-US" sz="2800" dirty="0">
-              <a:solidFill>
-                <a:schemeClr val="tx1"/>
-              </a:solidFill>
-              <a:latin typeface="ＤＦＰ勘亭流" panose="03000800010101010101" pitchFamily="66" charset="-128"/>
-              <a:ea typeface="ＤＦＰ勘亭流" panose="03000800010101010101" pitchFamily="66" charset="-128"/>
-            </a:endParaRPr>
-          </a:p>
         </p:txBody>
       </p:sp>
       <p:pic>
         <p:nvPicPr>
-          <p:cNvPr id="24" name="図 23"/>
+          <p:cNvPr id="21" name="図 20"/>
           <p:cNvPicPr>
             <a:picLocks noChangeAspect="1"/>
           </p:cNvPicPr>
           <p:nvPr/>
         </p:nvPicPr>
         <p:blipFill>
-          <a:blip r:embed="rId5"/>
+          <a:blip r:embed="rId5" cstate="print">
+            <a:extLst>
+              <a:ext uri="{28A0092B-C50C-407E-A947-70E740481C1C}">
+                <a14:useLocalDpi xmlns:a14="http://schemas.microsoft.com/office/drawing/2010/main" val="0"/>
+              </a:ext>
+            </a:extLst>
+          </a:blip>
           <a:stretch>
             <a:fillRect/>
           </a:stretch>
         </p:blipFill>
         <p:spPr>
-          <a:xfrm>
-            <a:off x="8896181" y="31574"/>
-            <a:ext cx="3295819" cy="3397425"/>
+          <a:xfrm rot="8470968">
+            <a:off x="3328915" y="4034824"/>
+            <a:ext cx="1067979" cy="1067979"/>
           </a:xfrm>
           <a:prstGeom prst="rect">
             <a:avLst/>
           </a:prstGeom>
         </p:spPr>
       </p:pic>
-      <p:sp>
-        <p:nvSpPr>
-          <p:cNvPr id="25" name="ストライプ矢印 24"/>
-          <p:cNvSpPr/>
+      <p:pic>
+        <p:nvPicPr>
+          <p:cNvPr id="27" name="図 26"/>
+          <p:cNvPicPr>
+            <a:picLocks noChangeAspect="1"/>
+          </p:cNvPicPr>
           <p:nvPr/>
-        </p:nvSpPr>
+        </p:nvPicPr>
+        <p:blipFill>
+          <a:blip r:embed="rId5" cstate="print">
+            <a:extLst>
+              <a:ext uri="{28A0092B-C50C-407E-A947-70E740481C1C}">
+                <a14:useLocalDpi xmlns:a14="http://schemas.microsoft.com/office/drawing/2010/main" val="0"/>
+              </a:ext>
+            </a:extLst>
+          </a:blip>
+          <a:stretch>
+            <a:fillRect/>
+          </a:stretch>
+        </p:blipFill>
         <p:spPr>
-          <a:xfrm>
-            <a:off x="3549535" y="1330960"/>
-            <a:ext cx="904757" cy="930488"/>
+          <a:xfrm rot="19279084">
+            <a:off x="2444213" y="2732984"/>
+            <a:ext cx="1067979" cy="1067979"/>
           </a:xfrm>
-          <a:prstGeom prst="stripedRightArrow">
+          <a:prstGeom prst="rect">
             <a:avLst/>
           </a:prstGeom>
-          <a:solidFill>
-            <a:schemeClr val="accent2">
-              <a:lumMod val="60000"/>
-              <a:lumOff val="40000"/>
-            </a:schemeClr>
-          </a:solidFill>
         </p:spPr>
-        <p:style>
-          <a:lnRef idx="2">
-            <a:schemeClr val="accent1">
-              <a:shade val="50000"/>
-            </a:schemeClr>
-          </a:lnRef>
-          <a:fillRef idx="1">
-            <a:schemeClr val="accent1"/>
-          </a:fillRef>
-          <a:effectRef idx="0">
-            <a:schemeClr val="accent1"/>
-          </a:effectRef>
-          <a:fontRef idx="minor">
-            <a:schemeClr val="lt1"/>
-          </a:fontRef>
-        </p:style>
-        <p:txBody>
-          <a:bodyPr rtlCol="0" anchor="ctr"/>
-          <a:lstStyle/>
-          <a:p>
-            <a:pPr algn="ctr"/>
-            <a:endParaRPr kumimoji="1" lang="ja-JP" altLang="en-US"/>
-          </a:p>
-        </p:txBody>
-      </p:sp>
-      <p:sp>
-        <p:nvSpPr>
-          <p:cNvPr id="26" name="ストライプ矢印 25"/>
-          <p:cNvSpPr/>
+      </p:pic>
+      <p:grpSp>
+        <p:nvGrpSpPr>
+          <p:cNvPr id="10" name="グループ化 9"/>
+          <p:cNvGrpSpPr/>
           <p:nvPr/>
-        </p:nvSpPr>
-        <p:spPr>
+        </p:nvGrpSpPr>
+        <p:grpSpPr>
           <a:xfrm>
-            <a:off x="8003827" y="1330960"/>
-            <a:ext cx="904757" cy="930488"/>
+            <a:off x="6164585" y="2835110"/>
+            <a:ext cx="6074456" cy="2613670"/>
+            <a:chOff x="6164585" y="2835110"/>
+            <a:chExt cx="6074456" cy="2613670"/>
           </a:xfrm>
-          <a:prstGeom prst="stripedRightArrow">
-            <a:avLst/>
-          </a:prstGeom>
-          <a:solidFill>
-            <a:schemeClr val="accent2">
-              <a:lumMod val="60000"/>
-              <a:lumOff val="40000"/>
-            </a:schemeClr>
-          </a:solidFill>
-        </p:spPr>
-        <p:style>
-          <a:lnRef idx="2">
-            <a:schemeClr val="accent1">
-              <a:shade val="50000"/>
-            </a:schemeClr>
-          </a:lnRef>
-          <a:fillRef idx="1">
-            <a:schemeClr val="accent1"/>
-          </a:fillRef>
-          <a:effectRef idx="0">
-            <a:schemeClr val="accent1"/>
-          </a:effectRef>
-          <a:fontRef idx="minor">
-            <a:schemeClr val="lt1"/>
-          </a:fontRef>
-        </p:style>
-        <p:txBody>
-          <a:bodyPr rtlCol="0" anchor="ctr"/>
-          <a:lstStyle/>
-          <a:p>
-            <a:pPr algn="ctr"/>
-            <a:endParaRPr kumimoji="1" lang="ja-JP" altLang="en-US"/>
-          </a:p>
-        </p:txBody>
-      </p:sp>
+        </p:grpSpPr>
+        <p:sp>
+          <p:nvSpPr>
+            <p:cNvPr id="32" name="フローチャート: 代替処理 31"/>
+            <p:cNvSpPr/>
+            <p:nvPr/>
+          </p:nvSpPr>
+          <p:spPr>
+            <a:xfrm>
+              <a:off x="6554489" y="2835110"/>
+              <a:ext cx="5684552" cy="981268"/>
+            </a:xfrm>
+            <a:prstGeom prst="flowChartAlternateProcess">
+              <a:avLst/>
+            </a:prstGeom>
+            <a:solidFill>
+              <a:schemeClr val="tx1">
+                <a:lumMod val="75000"/>
+                <a:lumOff val="25000"/>
+                <a:alpha val="0"/>
+              </a:schemeClr>
+            </a:solidFill>
+            <a:ln>
+              <a:noFill/>
+            </a:ln>
+            <a:effectLst>
+              <a:softEdge rad="12700"/>
+            </a:effectLst>
+          </p:spPr>
+          <p:style>
+            <a:lnRef idx="2">
+              <a:schemeClr val="accent1">
+                <a:shade val="50000"/>
+              </a:schemeClr>
+            </a:lnRef>
+            <a:fillRef idx="1">
+              <a:schemeClr val="accent1"/>
+            </a:fillRef>
+            <a:effectRef idx="0">
+              <a:schemeClr val="accent1"/>
+            </a:effectRef>
+            <a:fontRef idx="minor">
+              <a:schemeClr val="lt1"/>
+            </a:fontRef>
+          </p:style>
+          <p:txBody>
+            <a:bodyPr rtlCol="0" anchor="ctr"/>
+            <a:lstStyle/>
+            <a:p>
+              <a:pPr algn="ctr"/>
+              <a:r>
+                <a:rPr kumimoji="1" lang="ja-JP" altLang="en-US" sz="2800" b="1" dirty="0" smtClean="0">
+                  <a:solidFill>
+                    <a:srgbClr val="FFC000"/>
+                  </a:solidFill>
+                  <a:effectLst>
+                    <a:glow rad="406400">
+                      <a:schemeClr val="bg1">
+                        <a:lumMod val="95000"/>
+                        <a:alpha val="40000"/>
+                      </a:schemeClr>
+                    </a:glow>
+                  </a:effectLst>
+                  <a:latin typeface="ＤＦＰ勘亭流" panose="03000800010101010101" pitchFamily="66" charset="-128"/>
+                  <a:ea typeface="ＤＦＰ勘亭流" panose="03000800010101010101" pitchFamily="66" charset="-128"/>
+                </a:rPr>
+                <a:t>太陽</a:t>
+              </a:r>
+              <a:r>
+                <a:rPr lang="ja-JP" altLang="en-US" sz="2800" dirty="0" smtClean="0">
+                  <a:solidFill>
+                    <a:schemeClr val="bg1">
+                      <a:lumMod val="95000"/>
+                    </a:schemeClr>
+                  </a:solidFill>
+                  <a:effectLst>
+                    <a:glow rad="406400">
+                      <a:schemeClr val="bg1">
+                        <a:lumMod val="85000"/>
+                        <a:alpha val="40000"/>
+                      </a:schemeClr>
+                    </a:glow>
+                  </a:effectLst>
+                  <a:latin typeface="ＤＦＰ勘亭流" panose="03000800010101010101" pitchFamily="66" charset="-128"/>
+                  <a:ea typeface="ＤＦＰ勘亭流" panose="03000800010101010101" pitchFamily="66" charset="-128"/>
+                </a:rPr>
+                <a:t>ができるのは</a:t>
+              </a:r>
+              <a:r>
+                <a:rPr lang="ja-JP" altLang="en-US" sz="3600" b="1" dirty="0" smtClean="0">
+                  <a:solidFill>
+                    <a:schemeClr val="bg1">
+                      <a:lumMod val="95000"/>
+                    </a:schemeClr>
+                  </a:solidFill>
+                  <a:effectLst>
+                    <a:glow rad="406400">
+                      <a:schemeClr val="bg1">
+                        <a:lumMod val="85000"/>
+                        <a:alpha val="40000"/>
+                      </a:schemeClr>
+                    </a:glow>
+                  </a:effectLst>
+                  <a:latin typeface="ＤＦＰ勘亭流" panose="03000800010101010101" pitchFamily="66" charset="-128"/>
+                  <a:ea typeface="ＤＦＰ勘亭流" panose="03000800010101010101" pitchFamily="66" charset="-128"/>
+                </a:rPr>
+                <a:t>移動のみ</a:t>
+              </a:r>
+              <a:r>
+                <a:rPr lang="ja-JP" altLang="en-US" sz="2800" dirty="0" smtClean="0">
+                  <a:solidFill>
+                    <a:schemeClr val="bg1">
+                      <a:lumMod val="95000"/>
+                    </a:schemeClr>
+                  </a:solidFill>
+                  <a:effectLst>
+                    <a:glow rad="406400">
+                      <a:schemeClr val="bg1">
+                        <a:lumMod val="85000"/>
+                        <a:alpha val="40000"/>
+                      </a:schemeClr>
+                    </a:glow>
+                  </a:effectLst>
+                  <a:latin typeface="ＤＦＰ勘亭流" panose="03000800010101010101" pitchFamily="66" charset="-128"/>
+                  <a:ea typeface="ＤＦＰ勘亭流" panose="03000800010101010101" pitchFamily="66" charset="-128"/>
+                </a:rPr>
+                <a:t>です。</a:t>
+              </a:r>
+              <a:endParaRPr lang="en-US" altLang="ja-JP" sz="2800" dirty="0" smtClean="0">
+                <a:solidFill>
+                  <a:schemeClr val="bg1">
+                    <a:lumMod val="95000"/>
+                  </a:schemeClr>
+                </a:solidFill>
+                <a:effectLst>
+                  <a:glow rad="406400">
+                    <a:schemeClr val="bg1">
+                      <a:lumMod val="85000"/>
+                      <a:alpha val="40000"/>
+                    </a:schemeClr>
+                  </a:glow>
+                </a:effectLst>
+                <a:latin typeface="ＤＦＰ勘亭流" panose="03000800010101010101" pitchFamily="66" charset="-128"/>
+                <a:ea typeface="ＤＦＰ勘亭流" panose="03000800010101010101" pitchFamily="66" charset="-128"/>
+              </a:endParaRPr>
+            </a:p>
+          </p:txBody>
+        </p:sp>
+        <p:grpSp>
+          <p:nvGrpSpPr>
+            <p:cNvPr id="9" name="グループ化 8"/>
+            <p:cNvGrpSpPr/>
+            <p:nvPr/>
+          </p:nvGrpSpPr>
+          <p:grpSpPr>
+            <a:xfrm>
+              <a:off x="6164585" y="3781622"/>
+              <a:ext cx="1741133" cy="1667158"/>
+              <a:chOff x="6498414" y="3273624"/>
+              <a:chExt cx="1741133" cy="1667158"/>
+            </a:xfrm>
+          </p:grpSpPr>
+          <p:pic>
+            <p:nvPicPr>
+              <p:cNvPr id="28" name="図 27"/>
+              <p:cNvPicPr>
+                <a:picLocks noChangeAspect="1"/>
+              </p:cNvPicPr>
+              <p:nvPr/>
+            </p:nvPicPr>
+            <p:blipFill>
+              <a:blip r:embed="rId5" cstate="print">
+                <a:extLst>
+                  <a:ext uri="{28A0092B-C50C-407E-A947-70E740481C1C}">
+                    <a14:useLocalDpi xmlns:a14="http://schemas.microsoft.com/office/drawing/2010/main" val="0"/>
+                  </a:ext>
+                </a:extLst>
+              </a:blip>
+              <a:stretch>
+                <a:fillRect/>
+              </a:stretch>
+            </p:blipFill>
+            <p:spPr>
+              <a:xfrm>
+                <a:off x="7020724" y="3273624"/>
+                <a:ext cx="743938" cy="743938"/>
+              </a:xfrm>
+              <a:prstGeom prst="rect">
+                <a:avLst/>
+              </a:prstGeom>
+            </p:spPr>
+          </p:pic>
+          <p:pic>
+            <p:nvPicPr>
+              <p:cNvPr id="29" name="図 28"/>
+              <p:cNvPicPr>
+                <a:picLocks noChangeAspect="1"/>
+              </p:cNvPicPr>
+              <p:nvPr/>
+            </p:nvPicPr>
+            <p:blipFill>
+              <a:blip r:embed="rId5" cstate="print">
+                <a:extLst>
+                  <a:ext uri="{28A0092B-C50C-407E-A947-70E740481C1C}">
+                    <a14:useLocalDpi xmlns:a14="http://schemas.microsoft.com/office/drawing/2010/main" val="0"/>
+                  </a:ext>
+                </a:extLst>
+              </a:blip>
+              <a:stretch>
+                <a:fillRect/>
+              </a:stretch>
+            </p:blipFill>
+            <p:spPr>
+              <a:xfrm rot="5400000">
+                <a:off x="7495609" y="3720906"/>
+                <a:ext cx="743938" cy="743938"/>
+              </a:xfrm>
+              <a:prstGeom prst="rect">
+                <a:avLst/>
+              </a:prstGeom>
+            </p:spPr>
+          </p:pic>
+          <p:pic>
+            <p:nvPicPr>
+              <p:cNvPr id="30" name="図 29"/>
+              <p:cNvPicPr>
+                <a:picLocks noChangeAspect="1"/>
+              </p:cNvPicPr>
+              <p:nvPr/>
+            </p:nvPicPr>
+            <p:blipFill>
+              <a:blip r:embed="rId5" cstate="print">
+                <a:extLst>
+                  <a:ext uri="{28A0092B-C50C-407E-A947-70E740481C1C}">
+                    <a14:useLocalDpi xmlns:a14="http://schemas.microsoft.com/office/drawing/2010/main" val="0"/>
+                  </a:ext>
+                </a:extLst>
+              </a:blip>
+              <a:stretch>
+                <a:fillRect/>
+              </a:stretch>
+            </p:blipFill>
+            <p:spPr>
+              <a:xfrm rot="16200000">
+                <a:off x="6498414" y="3694629"/>
+                <a:ext cx="743938" cy="743938"/>
+              </a:xfrm>
+              <a:prstGeom prst="rect">
+                <a:avLst/>
+              </a:prstGeom>
+            </p:spPr>
+          </p:pic>
+          <p:pic>
+            <p:nvPicPr>
+              <p:cNvPr id="33" name="図 32"/>
+              <p:cNvPicPr>
+                <a:picLocks noChangeAspect="1"/>
+              </p:cNvPicPr>
+              <p:nvPr/>
+            </p:nvPicPr>
+            <p:blipFill>
+              <a:blip r:embed="rId5" cstate="print">
+                <a:extLst>
+                  <a:ext uri="{28A0092B-C50C-407E-A947-70E740481C1C}">
+                    <a14:useLocalDpi xmlns:a14="http://schemas.microsoft.com/office/drawing/2010/main" val="0"/>
+                  </a:ext>
+                </a:extLst>
+              </a:blip>
+              <a:stretch>
+                <a:fillRect/>
+              </a:stretch>
+            </p:blipFill>
+            <p:spPr>
+              <a:xfrm rot="10800000">
+                <a:off x="6977786" y="4196844"/>
+                <a:ext cx="743938" cy="743938"/>
+              </a:xfrm>
+              <a:prstGeom prst="rect">
+                <a:avLst/>
+              </a:prstGeom>
+            </p:spPr>
+          </p:pic>
+        </p:grpSp>
+        <p:sp>
+          <p:nvSpPr>
+            <p:cNvPr id="35" name="フローチャート: 代替処理 34"/>
+            <p:cNvSpPr/>
+            <p:nvPr/>
+          </p:nvSpPr>
+          <p:spPr>
+            <a:xfrm>
+              <a:off x="7655183" y="4153592"/>
+              <a:ext cx="4583858" cy="981268"/>
+            </a:xfrm>
+            <a:prstGeom prst="flowChartAlternateProcess">
+              <a:avLst/>
+            </a:prstGeom>
+            <a:solidFill>
+              <a:schemeClr val="tx1">
+                <a:lumMod val="75000"/>
+                <a:lumOff val="25000"/>
+                <a:alpha val="0"/>
+              </a:schemeClr>
+            </a:solidFill>
+            <a:ln>
+              <a:noFill/>
+            </a:ln>
+            <a:effectLst>
+              <a:softEdge rad="12700"/>
+            </a:effectLst>
+          </p:spPr>
+          <p:style>
+            <a:lnRef idx="2">
+              <a:schemeClr val="accent1">
+                <a:shade val="50000"/>
+              </a:schemeClr>
+            </a:lnRef>
+            <a:fillRef idx="1">
+              <a:schemeClr val="accent1"/>
+            </a:fillRef>
+            <a:effectRef idx="0">
+              <a:schemeClr val="accent1"/>
+            </a:effectRef>
+            <a:fontRef idx="minor">
+              <a:schemeClr val="lt1"/>
+            </a:fontRef>
+          </p:style>
+          <p:txBody>
+            <a:bodyPr rtlCol="0" anchor="ctr"/>
+            <a:lstStyle/>
+            <a:p>
+              <a:pPr algn="ctr"/>
+              <a:r>
+                <a:rPr lang="ja-JP" altLang="en-US" sz="2800" smtClean="0">
+                  <a:solidFill>
+                    <a:schemeClr val="bg1">
+                      <a:lumMod val="95000"/>
+                    </a:schemeClr>
+                  </a:solidFill>
+                  <a:effectLst>
+                    <a:glow rad="406400">
+                      <a:schemeClr val="bg1">
+                        <a:lumMod val="85000"/>
+                        <a:alpha val="40000"/>
+                      </a:schemeClr>
+                    </a:glow>
+                  </a:effectLst>
+                  <a:latin typeface="ＤＦＰ勘亭流" panose="03000800010101010101" pitchFamily="66" charset="-128"/>
+                  <a:ea typeface="ＤＦＰ勘亭流" panose="03000800010101010101" pitchFamily="66" charset="-128"/>
+                </a:rPr>
+                <a:t>・・・</a:t>
+              </a:r>
+              <a:r>
+                <a:rPr lang="ja-JP" altLang="en-US" sz="2800" dirty="0" smtClean="0">
+                  <a:solidFill>
+                    <a:schemeClr val="bg1">
+                      <a:lumMod val="95000"/>
+                    </a:schemeClr>
+                  </a:solidFill>
+                  <a:effectLst>
+                    <a:glow rad="406400">
+                      <a:schemeClr val="bg1">
+                        <a:lumMod val="85000"/>
+                        <a:alpha val="40000"/>
+                      </a:schemeClr>
+                    </a:glow>
+                  </a:effectLst>
+                  <a:latin typeface="ＤＦＰ勘亭流" panose="03000800010101010101" pitchFamily="66" charset="-128"/>
+                  <a:ea typeface="ＤＦＰ勘亭流" panose="03000800010101010101" pitchFamily="66" charset="-128"/>
+                </a:rPr>
+                <a:t>左スティックで移動</a:t>
+              </a:r>
+              <a:endParaRPr lang="en-US" altLang="ja-JP" sz="2800" dirty="0" smtClean="0">
+                <a:solidFill>
+                  <a:schemeClr val="bg1">
+                    <a:lumMod val="95000"/>
+                  </a:schemeClr>
+                </a:solidFill>
+                <a:effectLst>
+                  <a:glow rad="406400">
+                    <a:schemeClr val="bg1">
+                      <a:lumMod val="85000"/>
+                      <a:alpha val="40000"/>
+                    </a:schemeClr>
+                  </a:glow>
+                </a:effectLst>
+                <a:latin typeface="ＤＦＰ勘亭流" panose="03000800010101010101" pitchFamily="66" charset="-128"/>
+                <a:ea typeface="ＤＦＰ勘亭流" panose="03000800010101010101" pitchFamily="66" charset="-128"/>
+              </a:endParaRPr>
+            </a:p>
+          </p:txBody>
+        </p:sp>
+      </p:grpSp>
     </p:spTree>
     <p:extLst>
       <p:ext uri="{BB962C8B-B14F-4D97-AF65-F5344CB8AC3E}">
-        <p14:creationId xmlns:p14="http://schemas.microsoft.com/office/powerpoint/2010/main" val="464985822"/>
+        <p14:creationId xmlns:p14="http://schemas.microsoft.com/office/powerpoint/2010/main" val="1045385906"/>
       </p:ext>
     </p:extLst>
   </p:cSld>
@@ -3812,7 +4315,7 @@
         </p:blipFill>
         <p:spPr>
           <a:xfrm>
-            <a:off x="-1" y="-1"/>
+            <a:off x="-1" y="14513"/>
             <a:ext cx="12192001" cy="6858001"/>
           </a:xfrm>
           <a:prstGeom prst="rect">
@@ -3820,205 +4323,33 @@
           </a:prstGeom>
         </p:spPr>
       </p:pic>
-      <p:grpSp>
-        <p:nvGrpSpPr>
-          <p:cNvPr id="22" name="グループ化 21"/>
-          <p:cNvGrpSpPr/>
+      <p:pic>
+        <p:nvPicPr>
+          <p:cNvPr id="4" name="図 3"/>
+          <p:cNvPicPr>
+            <a:picLocks noChangeAspect="1"/>
+          </p:cNvPicPr>
           <p:nvPr/>
-        </p:nvGrpSpPr>
-        <p:grpSpPr>
+        </p:nvPicPr>
+        <p:blipFill>
+          <a:blip r:embed="rId3"/>
+          <a:stretch>
+            <a:fillRect/>
+          </a:stretch>
+        </p:blipFill>
+        <p:spPr>
           <a:xfrm>
-            <a:off x="0" y="-2"/>
-            <a:ext cx="3549535" cy="3429001"/>
-            <a:chOff x="-1" y="0"/>
-            <a:chExt cx="3549535" cy="3484879"/>
+            <a:off x="304801" y="333825"/>
+            <a:ext cx="4041587" cy="3904345"/>
           </a:xfrm>
-        </p:grpSpPr>
-        <p:pic>
-          <p:nvPicPr>
-            <p:cNvPr id="4" name="図 3"/>
-            <p:cNvPicPr>
-              <a:picLocks noChangeAspect="1"/>
-            </p:cNvPicPr>
-            <p:nvPr/>
-          </p:nvPicPr>
-          <p:blipFill>
-            <a:blip r:embed="rId3"/>
-            <a:stretch>
-              <a:fillRect/>
-            </a:stretch>
-          </p:blipFill>
-          <p:spPr>
-            <a:xfrm>
-              <a:off x="-1" y="0"/>
-              <a:ext cx="3549535" cy="3484879"/>
-            </a:xfrm>
-            <a:prstGeom prst="rect">
-              <a:avLst/>
-            </a:prstGeom>
-          </p:spPr>
-        </p:pic>
-        <p:sp>
-          <p:nvSpPr>
-            <p:cNvPr id="5" name="下矢印 4"/>
-            <p:cNvSpPr/>
-            <p:nvPr/>
-          </p:nvSpPr>
-          <p:spPr>
-            <a:xfrm rot="10800000">
-              <a:off x="1571104" y="1094317"/>
-              <a:ext cx="357448" cy="365608"/>
-            </a:xfrm>
-            <a:prstGeom prst="downArrow">
-              <a:avLst/>
-            </a:prstGeom>
-          </p:spPr>
-          <p:style>
-            <a:lnRef idx="2">
-              <a:schemeClr val="accent4">
-                <a:shade val="50000"/>
-              </a:schemeClr>
-            </a:lnRef>
-            <a:fillRef idx="1">
-              <a:schemeClr val="accent4"/>
-            </a:fillRef>
-            <a:effectRef idx="0">
-              <a:schemeClr val="accent4"/>
-            </a:effectRef>
-            <a:fontRef idx="minor">
-              <a:schemeClr val="lt1"/>
-            </a:fontRef>
-          </p:style>
-          <p:txBody>
-            <a:bodyPr rtlCol="0" anchor="ctr"/>
-            <a:lstStyle/>
-            <a:p>
-              <a:pPr algn="ctr"/>
-              <a:endParaRPr kumimoji="1" lang="ja-JP" altLang="en-US"/>
-            </a:p>
-          </p:txBody>
-        </p:sp>
-        <p:sp>
-          <p:nvSpPr>
-            <p:cNvPr id="13" name="下矢印 12"/>
-            <p:cNvSpPr/>
-            <p:nvPr/>
-          </p:nvSpPr>
-          <p:spPr>
-            <a:xfrm>
-              <a:off x="1571104" y="1932694"/>
-              <a:ext cx="357448" cy="365608"/>
-            </a:xfrm>
-            <a:prstGeom prst="downArrow">
-              <a:avLst/>
-            </a:prstGeom>
-          </p:spPr>
-          <p:style>
-            <a:lnRef idx="2">
-              <a:schemeClr val="accent4">
-                <a:shade val="50000"/>
-              </a:schemeClr>
-            </a:lnRef>
-            <a:fillRef idx="1">
-              <a:schemeClr val="accent4"/>
-            </a:fillRef>
-            <a:effectRef idx="0">
-              <a:schemeClr val="accent4"/>
-            </a:effectRef>
-            <a:fontRef idx="minor">
-              <a:schemeClr val="lt1"/>
-            </a:fontRef>
-          </p:style>
-          <p:txBody>
-            <a:bodyPr rtlCol="0" anchor="ctr"/>
-            <a:lstStyle/>
-            <a:p>
-              <a:pPr algn="ctr"/>
-              <a:endParaRPr kumimoji="1" lang="ja-JP" altLang="en-US"/>
-            </a:p>
-          </p:txBody>
-        </p:sp>
-        <p:sp>
-          <p:nvSpPr>
-            <p:cNvPr id="14" name="下矢印 13"/>
-            <p:cNvSpPr/>
-            <p:nvPr/>
-          </p:nvSpPr>
-          <p:spPr>
-            <a:xfrm rot="5400000">
-              <a:off x="1138917" y="1513860"/>
-              <a:ext cx="357299" cy="365760"/>
-            </a:xfrm>
-            <a:prstGeom prst="downArrow">
-              <a:avLst/>
-            </a:prstGeom>
-          </p:spPr>
-          <p:style>
-            <a:lnRef idx="2">
-              <a:schemeClr val="accent4">
-                <a:shade val="50000"/>
-              </a:schemeClr>
-            </a:lnRef>
-            <a:fillRef idx="1">
-              <a:schemeClr val="accent4"/>
-            </a:fillRef>
-            <a:effectRef idx="0">
-              <a:schemeClr val="accent4"/>
-            </a:effectRef>
-            <a:fontRef idx="minor">
-              <a:schemeClr val="lt1"/>
-            </a:fontRef>
-          </p:style>
-          <p:txBody>
-            <a:bodyPr rtlCol="0" anchor="ctr"/>
-            <a:lstStyle/>
-            <a:p>
-              <a:pPr algn="ctr"/>
-              <a:endParaRPr kumimoji="1" lang="ja-JP" altLang="en-US"/>
-            </a:p>
-          </p:txBody>
-        </p:sp>
-        <p:sp>
-          <p:nvSpPr>
-            <p:cNvPr id="15" name="下矢印 14"/>
-            <p:cNvSpPr/>
-            <p:nvPr/>
-          </p:nvSpPr>
-          <p:spPr>
-            <a:xfrm rot="16200000">
-              <a:off x="1982658" y="1513860"/>
-              <a:ext cx="357299" cy="365760"/>
-            </a:xfrm>
-            <a:prstGeom prst="downArrow">
-              <a:avLst/>
-            </a:prstGeom>
-          </p:spPr>
-          <p:style>
-            <a:lnRef idx="2">
-              <a:schemeClr val="accent4">
-                <a:shade val="50000"/>
-              </a:schemeClr>
-            </a:lnRef>
-            <a:fillRef idx="1">
-              <a:schemeClr val="accent4"/>
-            </a:fillRef>
-            <a:effectRef idx="0">
-              <a:schemeClr val="accent4"/>
-            </a:effectRef>
-            <a:fontRef idx="minor">
-              <a:schemeClr val="lt1"/>
-            </a:fontRef>
-          </p:style>
-          <p:txBody>
-            <a:bodyPr rtlCol="0" anchor="ctr"/>
-            <a:lstStyle/>
-            <a:p>
-              <a:pPr algn="ctr"/>
-              <a:endParaRPr kumimoji="1" lang="ja-JP" altLang="en-US"/>
-            </a:p>
-          </p:txBody>
-        </p:sp>
-      </p:grpSp>
+          <a:prstGeom prst="rect">
+            <a:avLst/>
+          </a:prstGeom>
+          <a:effectLst>
+            <a:softEdge rad="152400"/>
+          </a:effectLst>
+        </p:spPr>
+      </p:pic>
       <p:pic>
         <p:nvPicPr>
           <p:cNvPr id="20" name="図 19"/>
@@ -4035,34 +4366,44 @@
         </p:blipFill>
         <p:spPr>
           <a:xfrm>
-            <a:off x="4454292" y="27180"/>
-            <a:ext cx="3537132" cy="3373121"/>
+            <a:off x="7753320" y="2574588"/>
+            <a:ext cx="4138164" cy="3946284"/>
           </a:xfrm>
           <a:prstGeom prst="rect">
             <a:avLst/>
           </a:prstGeom>
+          <a:effectLst>
+            <a:softEdge rad="304800"/>
+          </a:effectLst>
         </p:spPr>
       </p:pic>
       <p:sp>
         <p:nvSpPr>
-          <p:cNvPr id="23" name="フローチャート: 代替処理 22"/>
+          <p:cNvPr id="16" name="フローチャート: 代替処理 15"/>
           <p:cNvSpPr/>
           <p:nvPr/>
         </p:nvSpPr>
         <p:spPr>
           <a:xfrm>
-            <a:off x="355600" y="3756109"/>
-            <a:ext cx="11460480" cy="2919012"/>
+            <a:off x="3835867" y="710615"/>
+            <a:ext cx="7688474" cy="898656"/>
           </a:xfrm>
           <a:prstGeom prst="flowChartAlternateProcess">
             <a:avLst/>
           </a:prstGeom>
           <a:solidFill>
-            <a:schemeClr val="accent4">
-              <a:lumMod val="40000"/>
-              <a:lumOff val="60000"/>
+            <a:schemeClr val="tx1">
+              <a:lumMod val="75000"/>
+              <a:lumOff val="25000"/>
+              <a:alpha val="0"/>
             </a:schemeClr>
           </a:solidFill>
+          <a:ln>
+            <a:noFill/>
+          </a:ln>
+          <a:effectLst>
+            <a:softEdge rad="12700"/>
+          </a:effectLst>
         </p:spPr>
         <p:style>
           <a:lnRef idx="2">
@@ -4086,139 +4427,188 @@
           <a:p>
             <a:pPr algn="ctr"/>
             <a:r>
-              <a:rPr kumimoji="1" lang="ja-JP" altLang="en-US" sz="2800" dirty="0" smtClean="0">
+              <a:rPr lang="ja-JP" altLang="en-US" sz="3600" b="1" dirty="0" smtClean="0">
                 <a:solidFill>
-                  <a:schemeClr val="tx1"/>
+                  <a:srgbClr val="00B0F0"/>
                 </a:solidFill>
+                <a:effectLst>
+                  <a:glow rad="406400">
+                    <a:schemeClr val="bg1">
+                      <a:lumMod val="85000"/>
+                      <a:alpha val="40000"/>
+                    </a:schemeClr>
+                  </a:glow>
+                </a:effectLst>
                 <a:latin typeface="ＤＦＰ勘亭流" panose="03000800010101010101" pitchFamily="66" charset="-128"/>
                 <a:ea typeface="ＤＦＰ勘亭流" panose="03000800010101010101" pitchFamily="66" charset="-128"/>
               </a:rPr>
-              <a:t>プレイヤーは太陽を操作できます。</a:t>
-            </a:r>
-            <a:endParaRPr kumimoji="1" lang="en-US" altLang="ja-JP" sz="2800" dirty="0" smtClean="0">
+              <a:t>彗星の尾</a:t>
+            </a:r>
+            <a:r>
+              <a:rPr lang="ja-JP" altLang="en-US" sz="2800" dirty="0" smtClean="0">
+                <a:solidFill>
+                  <a:schemeClr val="bg1">
+                    <a:lumMod val="95000"/>
+                  </a:schemeClr>
+                </a:solidFill>
+                <a:effectLst>
+                  <a:glow rad="406400">
+                    <a:schemeClr val="bg1">
+                      <a:lumMod val="85000"/>
+                      <a:alpha val="40000"/>
+                    </a:schemeClr>
+                  </a:glow>
+                </a:effectLst>
+                <a:latin typeface="ＤＦＰ勘亭流" panose="03000800010101010101" pitchFamily="66" charset="-128"/>
+                <a:ea typeface="ＤＦＰ勘亭流" panose="03000800010101010101" pitchFamily="66" charset="-128"/>
+              </a:rPr>
+              <a:t>は必ず</a:t>
+            </a:r>
+            <a:r>
+              <a:rPr lang="ja-JP" altLang="en-US" sz="2800" dirty="0" smtClean="0">
+                <a:solidFill>
+                  <a:srgbClr val="FFC000"/>
+                </a:solidFill>
+                <a:effectLst>
+                  <a:glow rad="406400">
+                    <a:schemeClr val="bg1">
+                      <a:lumMod val="85000"/>
+                      <a:alpha val="40000"/>
+                    </a:schemeClr>
+                  </a:glow>
+                </a:effectLst>
+                <a:latin typeface="ＤＦＰ勘亭流" panose="03000800010101010101" pitchFamily="66" charset="-128"/>
+                <a:ea typeface="ＤＦＰ勘亭流" panose="03000800010101010101" pitchFamily="66" charset="-128"/>
+              </a:rPr>
+              <a:t>太陽</a:t>
+            </a:r>
+            <a:r>
+              <a:rPr lang="ja-JP" altLang="en-US" sz="2800" dirty="0" smtClean="0">
+                <a:solidFill>
+                  <a:schemeClr val="bg1">
+                    <a:lumMod val="95000"/>
+                  </a:schemeClr>
+                </a:solidFill>
+                <a:effectLst>
+                  <a:glow rad="406400">
+                    <a:schemeClr val="bg1">
+                      <a:lumMod val="85000"/>
+                      <a:alpha val="40000"/>
+                    </a:schemeClr>
+                  </a:glow>
+                </a:effectLst>
+                <a:latin typeface="ＤＦＰ勘亭流" panose="03000800010101010101" pitchFamily="66" charset="-128"/>
+                <a:ea typeface="ＤＦＰ勘亭流" panose="03000800010101010101" pitchFamily="66" charset="-128"/>
+              </a:rPr>
+              <a:t>の</a:t>
+            </a:r>
+            <a:r>
+              <a:rPr lang="ja-JP" altLang="en-US" sz="3600" b="1" dirty="0" smtClean="0">
+                <a:solidFill>
+                  <a:schemeClr val="bg1">
+                    <a:lumMod val="95000"/>
+                  </a:schemeClr>
+                </a:solidFill>
+                <a:effectLst>
+                  <a:glow rad="406400">
+                    <a:schemeClr val="bg1">
+                      <a:lumMod val="85000"/>
+                      <a:alpha val="40000"/>
+                    </a:schemeClr>
+                  </a:glow>
+                </a:effectLst>
+                <a:latin typeface="ＤＦＰ勘亭流" panose="03000800010101010101" pitchFamily="66" charset="-128"/>
+                <a:ea typeface="ＤＦＰ勘亭流" panose="03000800010101010101" pitchFamily="66" charset="-128"/>
+              </a:rPr>
+              <a:t>反対側</a:t>
+            </a:r>
+            <a:r>
+              <a:rPr lang="ja-JP" altLang="en-US" sz="2800" dirty="0" smtClean="0">
+                <a:solidFill>
+                  <a:schemeClr val="bg1">
+                    <a:lumMod val="95000"/>
+                  </a:schemeClr>
+                </a:solidFill>
+                <a:effectLst>
+                  <a:glow rad="406400">
+                    <a:schemeClr val="bg1">
+                      <a:lumMod val="85000"/>
+                      <a:alpha val="40000"/>
+                    </a:schemeClr>
+                  </a:glow>
+                </a:effectLst>
+                <a:latin typeface="ＤＦＰ勘亭流" panose="03000800010101010101" pitchFamily="66" charset="-128"/>
+                <a:ea typeface="ＤＦＰ勘亭流" panose="03000800010101010101" pitchFamily="66" charset="-128"/>
+              </a:rPr>
+              <a:t>にできます。</a:t>
+            </a:r>
+            <a:endParaRPr lang="en-US" altLang="ja-JP" sz="2800" dirty="0" smtClean="0">
               <a:solidFill>
-                <a:schemeClr val="tx1"/>
+                <a:schemeClr val="bg1">
+                  <a:lumMod val="95000"/>
+                </a:schemeClr>
               </a:solidFill>
+              <a:effectLst>
+                <a:glow rad="406400">
+                  <a:schemeClr val="bg1">
+                    <a:lumMod val="85000"/>
+                    <a:alpha val="40000"/>
+                  </a:schemeClr>
+                </a:glow>
+              </a:effectLst>
               <a:latin typeface="ＤＦＰ勘亭流" panose="03000800010101010101" pitchFamily="66" charset="-128"/>
               <a:ea typeface="ＤＦＰ勘亭流" panose="03000800010101010101" pitchFamily="66" charset="-128"/>
             </a:endParaRPr>
           </a:p>
-          <a:p>
-            <a:pPr algn="ctr"/>
-            <a:r>
-              <a:rPr lang="ja-JP" altLang="en-US" sz="2800" dirty="0" smtClean="0">
-                <a:solidFill>
-                  <a:schemeClr val="tx1"/>
-                </a:solidFill>
-                <a:latin typeface="ＤＦＰ勘亭流" panose="03000800010101010101" pitchFamily="66" charset="-128"/>
-                <a:ea typeface="ＤＦＰ勘亭流" panose="03000800010101010101" pitchFamily="66" charset="-128"/>
-              </a:rPr>
-              <a:t>太陽の周りを回っている青い星が彗星です。</a:t>
-            </a:r>
-            <a:endParaRPr kumimoji="1" lang="en-US" altLang="ja-JP" sz="2800" dirty="0" smtClean="0">
-              <a:solidFill>
-                <a:schemeClr val="tx1"/>
-              </a:solidFill>
-              <a:latin typeface="ＤＦＰ勘亭流" panose="03000800010101010101" pitchFamily="66" charset="-128"/>
-              <a:ea typeface="ＤＦＰ勘亭流" panose="03000800010101010101" pitchFamily="66" charset="-128"/>
-            </a:endParaRPr>
-          </a:p>
-          <a:p>
-            <a:pPr algn="ctr"/>
-            <a:r>
-              <a:rPr kumimoji="1" lang="ja-JP" altLang="en-US" sz="2800" dirty="0" smtClean="0">
-                <a:solidFill>
-                  <a:schemeClr val="tx1"/>
-                </a:solidFill>
-                <a:latin typeface="ＤＦＰ勘亭流" panose="03000800010101010101" pitchFamily="66" charset="-128"/>
-                <a:ea typeface="ＤＦＰ勘亭流" panose="03000800010101010101" pitchFamily="66" charset="-128"/>
-              </a:rPr>
-              <a:t>太陽との距離</a:t>
-            </a:r>
-            <a:r>
-              <a:rPr lang="ja-JP" altLang="en-US" sz="2800" dirty="0" smtClean="0">
-                <a:solidFill>
-                  <a:schemeClr val="tx1"/>
-                </a:solidFill>
-                <a:latin typeface="ＤＦＰ勘亭流" panose="03000800010101010101" pitchFamily="66" charset="-128"/>
-                <a:ea typeface="ＤＦＰ勘亭流" panose="03000800010101010101" pitchFamily="66" charset="-128"/>
-              </a:rPr>
-              <a:t>に応じて伸縮する彗星の尾を使い</a:t>
-            </a:r>
-            <a:endParaRPr lang="en-US" altLang="ja-JP" sz="2800" dirty="0" smtClean="0">
-              <a:solidFill>
-                <a:schemeClr val="tx1"/>
-              </a:solidFill>
-              <a:latin typeface="ＤＦＰ勘亭流" panose="03000800010101010101" pitchFamily="66" charset="-128"/>
-              <a:ea typeface="ＤＦＰ勘亭流" panose="03000800010101010101" pitchFamily="66" charset="-128"/>
-            </a:endParaRPr>
-          </a:p>
-          <a:p>
-            <a:pPr algn="ctr"/>
-            <a:r>
-              <a:rPr lang="ja-JP" altLang="en-US" sz="2800" dirty="0" smtClean="0">
-                <a:solidFill>
-                  <a:schemeClr val="tx1"/>
-                </a:solidFill>
-                <a:latin typeface="ＤＦＰ勘亭流" panose="03000800010101010101" pitchFamily="66" charset="-128"/>
-                <a:ea typeface="ＤＦＰ勘亭流" panose="03000800010101010101" pitchFamily="66" charset="-128"/>
-              </a:rPr>
-              <a:t>障害物となる赤い星を破壊しよう！</a:t>
-            </a:r>
-            <a:endParaRPr kumimoji="1" lang="ja-JP" altLang="en-US" sz="2800" dirty="0">
-              <a:solidFill>
-                <a:schemeClr val="tx1"/>
-              </a:solidFill>
-              <a:latin typeface="ＤＦＰ勘亭流" panose="03000800010101010101" pitchFamily="66" charset="-128"/>
-              <a:ea typeface="ＤＦＰ勘亭流" panose="03000800010101010101" pitchFamily="66" charset="-128"/>
-            </a:endParaRPr>
-          </a:p>
-        </p:txBody>
-      </p:sp>
-      <p:pic>
-        <p:nvPicPr>
-          <p:cNvPr id="24" name="図 23"/>
-          <p:cNvPicPr>
-            <a:picLocks noChangeAspect="1"/>
-          </p:cNvPicPr>
+        </p:txBody>
+      </p:sp>
+      <p:sp>
+        <p:nvSpPr>
+          <p:cNvPr id="3" name="右矢印 2"/>
+          <p:cNvSpPr/>
           <p:nvPr/>
-        </p:nvPicPr>
-        <p:blipFill>
-          <a:blip r:embed="rId5"/>
-          <a:stretch>
-            <a:fillRect/>
-          </a:stretch>
-        </p:blipFill>
+        </p:nvSpPr>
         <p:spPr>
           <a:xfrm>
-            <a:off x="8896181" y="31574"/>
-            <a:ext cx="3295819" cy="3397425"/>
+            <a:off x="4698037" y="3218542"/>
+            <a:ext cx="2793718" cy="420914"/>
           </a:xfrm>
-          <a:prstGeom prst="rect">
-            <a:avLst/>
+          <a:prstGeom prst="rightArrow">
+            <a:avLst>
+              <a:gd name="adj1" fmla="val 50000"/>
+              <a:gd name="adj2" fmla="val 153448"/>
+            </a:avLst>
           </a:prstGeom>
-        </p:spPr>
-      </p:pic>
-      <p:sp>
-        <p:nvSpPr>
-          <p:cNvPr id="25" name="ストライプ矢印 24"/>
-          <p:cNvSpPr/>
-          <p:nvPr/>
-        </p:nvSpPr>
-        <p:spPr>
-          <a:xfrm>
-            <a:off x="3549535" y="1330960"/>
-            <a:ext cx="904757" cy="930488"/>
-          </a:xfrm>
-          <a:prstGeom prst="stripedRightArrow">
-            <a:avLst/>
-          </a:prstGeom>
-          <a:solidFill>
-            <a:schemeClr val="accent2">
-              <a:lumMod val="60000"/>
-              <a:lumOff val="40000"/>
-            </a:schemeClr>
-          </a:solidFill>
+          <a:gradFill flip="none" rotWithShape="1">
+            <a:gsLst>
+              <a:gs pos="0">
+                <a:schemeClr val="accent1">
+                  <a:lumMod val="5000"/>
+                  <a:lumOff val="95000"/>
+                  <a:alpha val="34000"/>
+                </a:schemeClr>
+              </a:gs>
+              <a:gs pos="38000">
+                <a:schemeClr val="accent1">
+                  <a:lumMod val="75000"/>
+                </a:schemeClr>
+              </a:gs>
+              <a:gs pos="95000">
+                <a:schemeClr val="accent1">
+                  <a:lumMod val="45000"/>
+                  <a:lumOff val="55000"/>
+                </a:schemeClr>
+              </a:gs>
+              <a:gs pos="100000">
+                <a:schemeClr val="accent1">
+                  <a:lumMod val="30000"/>
+                  <a:lumOff val="70000"/>
+                </a:schemeClr>
+              </a:gs>
+            </a:gsLst>
+            <a:lin ang="0" scaled="1"/>
+            <a:tileRect/>
+          </a:gradFill>
         </p:spPr>
         <p:style>
           <a:lnRef idx="2">
@@ -4247,24 +4637,26 @@
       </p:sp>
       <p:sp>
         <p:nvSpPr>
-          <p:cNvPr id="26" name="ストライプ矢印 25"/>
+          <p:cNvPr id="6" name="楕円 5"/>
           <p:cNvSpPr/>
           <p:nvPr/>
         </p:nvSpPr>
         <p:spPr>
           <a:xfrm>
-            <a:off x="8003827" y="1330960"/>
-            <a:ext cx="904757" cy="930488"/>
+            <a:off x="2999791" y="1943098"/>
+            <a:ext cx="846496" cy="439086"/>
           </a:xfrm>
-          <a:prstGeom prst="stripedRightArrow">
+          <a:prstGeom prst="ellipse">
             <a:avLst/>
           </a:prstGeom>
           <a:solidFill>
-            <a:schemeClr val="accent2">
-              <a:lumMod val="60000"/>
-              <a:lumOff val="40000"/>
-            </a:schemeClr>
+            <a:srgbClr val="FFFF00">
+              <a:alpha val="24000"/>
+            </a:srgbClr>
           </a:solidFill>
+          <a:ln>
+            <a:noFill/>
+          </a:ln>
         </p:spPr>
         <p:style>
           <a:lnRef idx="2">
@@ -4291,10 +4683,435 @@
           </a:p>
         </p:txBody>
       </p:sp>
+      <p:sp>
+        <p:nvSpPr>
+          <p:cNvPr id="21" name="フローチャート: 代替処理 20"/>
+          <p:cNvSpPr/>
+          <p:nvPr/>
+        </p:nvSpPr>
+        <p:spPr>
+          <a:xfrm>
+            <a:off x="691761" y="5248727"/>
+            <a:ext cx="7309254" cy="898656"/>
+          </a:xfrm>
+          <a:prstGeom prst="flowChartAlternateProcess">
+            <a:avLst/>
+          </a:prstGeom>
+          <a:solidFill>
+            <a:schemeClr val="tx1">
+              <a:lumMod val="75000"/>
+              <a:lumOff val="25000"/>
+              <a:alpha val="0"/>
+            </a:schemeClr>
+          </a:solidFill>
+          <a:ln>
+            <a:noFill/>
+          </a:ln>
+          <a:effectLst>
+            <a:softEdge rad="12700"/>
+          </a:effectLst>
+        </p:spPr>
+        <p:style>
+          <a:lnRef idx="2">
+            <a:schemeClr val="accent1">
+              <a:shade val="50000"/>
+            </a:schemeClr>
+          </a:lnRef>
+          <a:fillRef idx="1">
+            <a:schemeClr val="accent1"/>
+          </a:fillRef>
+          <a:effectRef idx="0">
+            <a:schemeClr val="accent1"/>
+          </a:effectRef>
+          <a:fontRef idx="minor">
+            <a:schemeClr val="lt1"/>
+          </a:fontRef>
+        </p:style>
+        <p:txBody>
+          <a:bodyPr rtlCol="0" anchor="ctr"/>
+          <a:lstStyle/>
+          <a:p>
+            <a:pPr algn="ctr"/>
+            <a:r>
+              <a:rPr lang="ja-JP" altLang="en-US" sz="2800" dirty="0" smtClean="0">
+                <a:solidFill>
+                  <a:schemeClr val="bg1">
+                    <a:lumMod val="95000"/>
+                  </a:schemeClr>
+                </a:solidFill>
+                <a:effectLst>
+                  <a:glow rad="406400">
+                    <a:schemeClr val="bg1">
+                      <a:lumMod val="85000"/>
+                      <a:alpha val="40000"/>
+                    </a:schemeClr>
+                  </a:glow>
+                </a:effectLst>
+                <a:latin typeface="ＤＦＰ勘亭流" panose="03000800010101010101" pitchFamily="66" charset="-128"/>
+                <a:ea typeface="ＤＦＰ勘亭流" panose="03000800010101010101" pitchFamily="66" charset="-128"/>
+              </a:rPr>
+              <a:t>そして</a:t>
+            </a:r>
+            <a:r>
+              <a:rPr lang="ja-JP" altLang="en-US" sz="3600" b="1" dirty="0" smtClean="0">
+                <a:solidFill>
+                  <a:srgbClr val="FFC000"/>
+                </a:solidFill>
+                <a:effectLst>
+                  <a:glow rad="406400">
+                    <a:schemeClr val="bg1">
+                      <a:lumMod val="85000"/>
+                      <a:alpha val="40000"/>
+                    </a:schemeClr>
+                  </a:glow>
+                </a:effectLst>
+                <a:latin typeface="ＤＦＰ勘亭流" panose="03000800010101010101" pitchFamily="66" charset="-128"/>
+                <a:ea typeface="ＤＦＰ勘亭流" panose="03000800010101010101" pitchFamily="66" charset="-128"/>
+              </a:rPr>
+              <a:t>太陽</a:t>
+            </a:r>
+            <a:r>
+              <a:rPr lang="ja-JP" altLang="en-US" sz="3600" b="1" dirty="0" smtClean="0">
+                <a:solidFill>
+                  <a:schemeClr val="bg1">
+                    <a:lumMod val="95000"/>
+                  </a:schemeClr>
+                </a:solidFill>
+                <a:effectLst>
+                  <a:glow rad="406400">
+                    <a:schemeClr val="bg1">
+                      <a:lumMod val="85000"/>
+                      <a:alpha val="40000"/>
+                    </a:schemeClr>
+                  </a:glow>
+                </a:effectLst>
+                <a:latin typeface="ＤＦＰ勘亭流" panose="03000800010101010101" pitchFamily="66" charset="-128"/>
+                <a:ea typeface="ＤＦＰ勘亭流" panose="03000800010101010101" pitchFamily="66" charset="-128"/>
+              </a:rPr>
+              <a:t>の位置</a:t>
+            </a:r>
+            <a:r>
+              <a:rPr lang="ja-JP" altLang="en-US" sz="2800" dirty="0" smtClean="0">
+                <a:solidFill>
+                  <a:schemeClr val="bg1">
+                    <a:lumMod val="95000"/>
+                  </a:schemeClr>
+                </a:solidFill>
+                <a:effectLst>
+                  <a:glow rad="406400">
+                    <a:schemeClr val="bg1">
+                      <a:lumMod val="85000"/>
+                      <a:alpha val="40000"/>
+                    </a:schemeClr>
+                  </a:glow>
+                </a:effectLst>
+                <a:latin typeface="ＤＦＰ勘亭流" panose="03000800010101010101" pitchFamily="66" charset="-128"/>
+                <a:ea typeface="ＤＦＰ勘亭流" panose="03000800010101010101" pitchFamily="66" charset="-128"/>
+              </a:rPr>
+              <a:t>によって遠いほど短く</a:t>
+            </a:r>
+            <a:endParaRPr lang="en-US" altLang="ja-JP" sz="2800" dirty="0">
+              <a:solidFill>
+                <a:schemeClr val="bg1">
+                  <a:lumMod val="95000"/>
+                </a:schemeClr>
+              </a:solidFill>
+              <a:effectLst>
+                <a:glow rad="406400">
+                  <a:schemeClr val="bg1">
+                    <a:lumMod val="85000"/>
+                    <a:alpha val="40000"/>
+                  </a:schemeClr>
+                </a:glow>
+              </a:effectLst>
+              <a:latin typeface="ＤＦＰ勘亭流" panose="03000800010101010101" pitchFamily="66" charset="-128"/>
+              <a:ea typeface="ＤＦＰ勘亭流" panose="03000800010101010101" pitchFamily="66" charset="-128"/>
+            </a:endParaRPr>
+          </a:p>
+          <a:p>
+            <a:pPr algn="ctr"/>
+            <a:r>
+              <a:rPr lang="ja-JP" altLang="en-US" sz="2800" dirty="0" smtClean="0">
+                <a:solidFill>
+                  <a:schemeClr val="bg1">
+                    <a:lumMod val="95000"/>
+                  </a:schemeClr>
+                </a:solidFill>
+                <a:effectLst>
+                  <a:glow rad="406400">
+                    <a:schemeClr val="bg1">
+                      <a:lumMod val="85000"/>
+                      <a:alpha val="40000"/>
+                    </a:schemeClr>
+                  </a:glow>
+                </a:effectLst>
+                <a:latin typeface="ＤＦＰ勘亭流" panose="03000800010101010101" pitchFamily="66" charset="-128"/>
+                <a:ea typeface="ＤＦＰ勘亭流" panose="03000800010101010101" pitchFamily="66" charset="-128"/>
+              </a:rPr>
+              <a:t>近いほど長く</a:t>
+            </a:r>
+            <a:r>
+              <a:rPr lang="ja-JP" altLang="en-US" sz="3600" dirty="0" smtClean="0">
+                <a:solidFill>
+                  <a:schemeClr val="bg1">
+                    <a:lumMod val="95000"/>
+                  </a:schemeClr>
+                </a:solidFill>
+                <a:effectLst>
+                  <a:glow rad="406400">
+                    <a:schemeClr val="bg1">
+                      <a:lumMod val="85000"/>
+                      <a:alpha val="40000"/>
+                    </a:schemeClr>
+                  </a:glow>
+                </a:effectLst>
+                <a:latin typeface="ＤＦＰ勘亭流" panose="03000800010101010101" pitchFamily="66" charset="-128"/>
+                <a:ea typeface="ＤＦＰ勘亭流" panose="03000800010101010101" pitchFamily="66" charset="-128"/>
+              </a:rPr>
+              <a:t>伸び縮み</a:t>
+            </a:r>
+            <a:r>
+              <a:rPr lang="ja-JP" altLang="en-US" sz="2800" dirty="0" smtClean="0">
+                <a:solidFill>
+                  <a:schemeClr val="bg1">
+                    <a:lumMod val="95000"/>
+                  </a:schemeClr>
+                </a:solidFill>
+                <a:effectLst>
+                  <a:glow rad="406400">
+                    <a:schemeClr val="bg1">
+                      <a:lumMod val="85000"/>
+                      <a:alpha val="40000"/>
+                    </a:schemeClr>
+                  </a:glow>
+                </a:effectLst>
+                <a:latin typeface="ＤＦＰ勘亭流" panose="03000800010101010101" pitchFamily="66" charset="-128"/>
+                <a:ea typeface="ＤＦＰ勘亭流" panose="03000800010101010101" pitchFamily="66" charset="-128"/>
+              </a:rPr>
+              <a:t>します。</a:t>
+            </a:r>
+            <a:endParaRPr lang="en-US" altLang="ja-JP" sz="2800" dirty="0" smtClean="0">
+              <a:solidFill>
+                <a:schemeClr val="bg1">
+                  <a:lumMod val="95000"/>
+                </a:schemeClr>
+              </a:solidFill>
+              <a:effectLst>
+                <a:glow rad="406400">
+                  <a:schemeClr val="bg1">
+                    <a:lumMod val="85000"/>
+                    <a:alpha val="40000"/>
+                  </a:schemeClr>
+                </a:glow>
+              </a:effectLst>
+              <a:latin typeface="ＤＦＰ勘亭流" panose="03000800010101010101" pitchFamily="66" charset="-128"/>
+              <a:ea typeface="ＤＦＰ勘亭流" panose="03000800010101010101" pitchFamily="66" charset="-128"/>
+            </a:endParaRPr>
+          </a:p>
+        </p:txBody>
+      </p:sp>
+      <p:sp>
+        <p:nvSpPr>
+          <p:cNvPr id="27" name="楕円 26"/>
+          <p:cNvSpPr/>
+          <p:nvPr/>
+        </p:nvSpPr>
+        <p:spPr>
+          <a:xfrm>
+            <a:off x="10500704" y="4022386"/>
+            <a:ext cx="1390780" cy="694756"/>
+          </a:xfrm>
+          <a:prstGeom prst="ellipse">
+            <a:avLst/>
+          </a:prstGeom>
+          <a:solidFill>
+            <a:srgbClr val="FFFF00">
+              <a:alpha val="24000"/>
+            </a:srgbClr>
+          </a:solidFill>
+          <a:ln>
+            <a:noFill/>
+          </a:ln>
+        </p:spPr>
+        <p:style>
+          <a:lnRef idx="2">
+            <a:schemeClr val="accent1">
+              <a:shade val="50000"/>
+            </a:schemeClr>
+          </a:lnRef>
+          <a:fillRef idx="1">
+            <a:schemeClr val="accent1"/>
+          </a:fillRef>
+          <a:effectRef idx="0">
+            <a:schemeClr val="accent1"/>
+          </a:effectRef>
+          <a:fontRef idx="minor">
+            <a:schemeClr val="lt1"/>
+          </a:fontRef>
+        </p:style>
+        <p:txBody>
+          <a:bodyPr rtlCol="0" anchor="ctr"/>
+          <a:lstStyle/>
+          <a:p>
+            <a:pPr algn="ctr"/>
+            <a:endParaRPr kumimoji="1" lang="ja-JP" altLang="en-US"/>
+          </a:p>
+        </p:txBody>
+      </p:sp>
+      <p:grpSp>
+        <p:nvGrpSpPr>
+          <p:cNvPr id="7" name="グループ化 6"/>
+          <p:cNvGrpSpPr/>
+          <p:nvPr/>
+        </p:nvGrpSpPr>
+        <p:grpSpPr>
+          <a:xfrm rot="21292747">
+            <a:off x="1997873" y="2233599"/>
+            <a:ext cx="1616824" cy="600899"/>
+            <a:chOff x="4687805" y="3559704"/>
+            <a:chExt cx="724247" cy="493446"/>
+          </a:xfrm>
+        </p:grpSpPr>
+        <p:pic>
+          <p:nvPicPr>
+            <p:cNvPr id="28" name="図 27"/>
+            <p:cNvPicPr>
+              <a:picLocks noChangeAspect="1"/>
+            </p:cNvPicPr>
+            <p:nvPr/>
+          </p:nvPicPr>
+          <p:blipFill>
+            <a:blip r:embed="rId5" cstate="print">
+              <a:extLst>
+                <a:ext uri="{28A0092B-C50C-407E-A947-70E740481C1C}">
+                  <a14:useLocalDpi xmlns:a14="http://schemas.microsoft.com/office/drawing/2010/main" val="0"/>
+                </a:ext>
+              </a:extLst>
+            </a:blip>
+            <a:stretch>
+              <a:fillRect/>
+            </a:stretch>
+          </p:blipFill>
+          <p:spPr>
+            <a:xfrm rot="5400000">
+              <a:off x="4949370" y="3590468"/>
+              <a:ext cx="462682" cy="462682"/>
+            </a:xfrm>
+            <a:prstGeom prst="rect">
+              <a:avLst/>
+            </a:prstGeom>
+          </p:spPr>
+        </p:pic>
+        <p:pic>
+          <p:nvPicPr>
+            <p:cNvPr id="29" name="図 28"/>
+            <p:cNvPicPr>
+              <a:picLocks noChangeAspect="1"/>
+            </p:cNvPicPr>
+            <p:nvPr/>
+          </p:nvPicPr>
+          <p:blipFill>
+            <a:blip r:embed="rId5" cstate="print">
+              <a:extLst>
+                <a:ext uri="{28A0092B-C50C-407E-A947-70E740481C1C}">
+                  <a14:useLocalDpi xmlns:a14="http://schemas.microsoft.com/office/drawing/2010/main" val="0"/>
+                </a:ext>
+              </a:extLst>
+            </a:blip>
+            <a:stretch>
+              <a:fillRect/>
+            </a:stretch>
+          </p:blipFill>
+          <p:spPr>
+            <a:xfrm rot="16200000">
+              <a:off x="4687805" y="3559704"/>
+              <a:ext cx="462682" cy="462682"/>
+            </a:xfrm>
+            <a:prstGeom prst="rect">
+              <a:avLst/>
+            </a:prstGeom>
+          </p:spPr>
+        </p:pic>
+      </p:grpSp>
+      <p:grpSp>
+        <p:nvGrpSpPr>
+          <p:cNvPr id="30" name="グループ化 29"/>
+          <p:cNvGrpSpPr/>
+          <p:nvPr/>
+        </p:nvGrpSpPr>
+        <p:grpSpPr>
+          <a:xfrm rot="21012166">
+            <a:off x="10293721" y="4481385"/>
+            <a:ext cx="413965" cy="371811"/>
+            <a:chOff x="4687805" y="3559704"/>
+            <a:chExt cx="724247" cy="493446"/>
+          </a:xfrm>
+        </p:grpSpPr>
+        <p:pic>
+          <p:nvPicPr>
+            <p:cNvPr id="31" name="図 30"/>
+            <p:cNvPicPr>
+              <a:picLocks noChangeAspect="1"/>
+            </p:cNvPicPr>
+            <p:nvPr/>
+          </p:nvPicPr>
+          <p:blipFill>
+            <a:blip r:embed="rId6" cstate="print">
+              <a:extLst>
+                <a:ext uri="{28A0092B-C50C-407E-A947-70E740481C1C}">
+                  <a14:useLocalDpi xmlns:a14="http://schemas.microsoft.com/office/drawing/2010/main" val="0"/>
+                </a:ext>
+              </a:extLst>
+            </a:blip>
+            <a:stretch>
+              <a:fillRect/>
+            </a:stretch>
+          </p:blipFill>
+          <p:spPr>
+            <a:xfrm rot="5400000">
+              <a:off x="4949370" y="3590468"/>
+              <a:ext cx="462682" cy="462682"/>
+            </a:xfrm>
+            <a:prstGeom prst="rect">
+              <a:avLst/>
+            </a:prstGeom>
+          </p:spPr>
+        </p:pic>
+        <p:pic>
+          <p:nvPicPr>
+            <p:cNvPr id="32" name="図 31"/>
+            <p:cNvPicPr>
+              <a:picLocks noChangeAspect="1"/>
+            </p:cNvPicPr>
+            <p:nvPr/>
+          </p:nvPicPr>
+          <p:blipFill>
+            <a:blip r:embed="rId6" cstate="print">
+              <a:extLst>
+                <a:ext uri="{28A0092B-C50C-407E-A947-70E740481C1C}">
+                  <a14:useLocalDpi xmlns:a14="http://schemas.microsoft.com/office/drawing/2010/main" val="0"/>
+                </a:ext>
+              </a:extLst>
+            </a:blip>
+            <a:stretch>
+              <a:fillRect/>
+            </a:stretch>
+          </p:blipFill>
+          <p:spPr>
+            <a:xfrm rot="16200000">
+              <a:off x="4687805" y="3559704"/>
+              <a:ext cx="462682" cy="462682"/>
+            </a:xfrm>
+            <a:prstGeom prst="rect">
+              <a:avLst/>
+            </a:prstGeom>
+          </p:spPr>
+        </p:pic>
+      </p:grpSp>
     </p:spTree>
     <p:extLst>
       <p:ext uri="{BB962C8B-B14F-4D97-AF65-F5344CB8AC3E}">
-        <p14:creationId xmlns:p14="http://schemas.microsoft.com/office/powerpoint/2010/main" val="1045385906"/>
+        <p14:creationId xmlns:p14="http://schemas.microsoft.com/office/powerpoint/2010/main" val="464985822"/>
       </p:ext>
     </p:extLst>
   </p:cSld>
@@ -4323,7 +5140,7 @@
       </p:grpSpPr>
       <p:pic>
         <p:nvPicPr>
-          <p:cNvPr id="2" name="図 1"/>
+          <p:cNvPr id="18" name="図 17"/>
           <p:cNvPicPr>
             <a:picLocks noChangeAspect="1"/>
           </p:cNvPicPr>
@@ -4343,7 +5160,7 @@
         </p:blipFill>
         <p:spPr>
           <a:xfrm>
-            <a:off x="0" y="-1"/>
+            <a:off x="-1" y="-1"/>
             <a:ext cx="12192001" cy="6858001"/>
           </a:xfrm>
           <a:prstGeom prst="rect">
@@ -4353,72 +5170,64 @@
       </p:pic>
       <p:pic>
         <p:nvPicPr>
-          <p:cNvPr id="3" name="図 2"/>
+          <p:cNvPr id="2" name="図 1"/>
           <p:cNvPicPr>
             <a:picLocks noChangeAspect="1"/>
           </p:cNvPicPr>
           <p:nvPr/>
         </p:nvPicPr>
         <p:blipFill>
-          <a:blip r:embed="rId3"/>
+          <a:blip r:embed="rId3">
+            <a:extLst>
+              <a:ext uri="{28A0092B-C50C-407E-A947-70E740481C1C}">
+                <a14:useLocalDpi xmlns:a14="http://schemas.microsoft.com/office/drawing/2010/main" val="0"/>
+              </a:ext>
+            </a:extLst>
+          </a:blip>
           <a:stretch>
             <a:fillRect/>
           </a:stretch>
         </p:blipFill>
         <p:spPr>
           <a:xfrm>
-            <a:off x="297292" y="120951"/>
-            <a:ext cx="3094328" cy="3124913"/>
+            <a:off x="-217715" y="348343"/>
+            <a:ext cx="7093529" cy="3048000"/>
           </a:xfrm>
           <a:prstGeom prst="rect">
             <a:avLst/>
           </a:prstGeom>
+          <a:effectLst>
+            <a:softEdge rad="279400"/>
+          </a:effectLst>
         </p:spPr>
       </p:pic>
-      <p:pic>
-        <p:nvPicPr>
-          <p:cNvPr id="4" name="図 3"/>
-          <p:cNvPicPr>
-            <a:picLocks noChangeAspect="1"/>
-          </p:cNvPicPr>
+      <p:sp>
+        <p:nvSpPr>
+          <p:cNvPr id="16" name="フローチャート: 代替処理 15"/>
+          <p:cNvSpPr/>
           <p:nvPr/>
-        </p:nvPicPr>
-        <p:blipFill>
-          <a:blip r:embed="rId4"/>
-          <a:stretch>
-            <a:fillRect/>
-          </a:stretch>
-        </p:blipFill>
+        </p:nvSpPr>
         <p:spPr>
           <a:xfrm>
-            <a:off x="4390111" y="120951"/>
-            <a:ext cx="3094328" cy="3113462"/>
+            <a:off x="4503526" y="589439"/>
+            <a:ext cx="7688474" cy="1282904"/>
           </a:xfrm>
-          <a:prstGeom prst="rect">
-            <a:avLst/>
-          </a:prstGeom>
-        </p:spPr>
-      </p:pic>
-      <p:sp>
-        <p:nvSpPr>
-          <p:cNvPr id="8" name="ストライプ矢印 7"/>
-          <p:cNvSpPr/>
-          <p:nvPr/>
-        </p:nvSpPr>
-        <p:spPr>
-          <a:xfrm>
-            <a:off x="3439611" y="1251506"/>
-            <a:ext cx="904757" cy="930488"/>
-          </a:xfrm>
-          <a:prstGeom prst="stripedRightArrow">
+          <a:prstGeom prst="flowChartAlternateProcess">
             <a:avLst/>
           </a:prstGeom>
           <a:solidFill>
-            <a:schemeClr val="accent2">
-              <a:lumMod val="60000"/>
-              <a:lumOff val="40000"/>
+            <a:schemeClr val="tx1">
+              <a:lumMod val="75000"/>
+              <a:lumOff val="25000"/>
+              <a:alpha val="0"/>
             </a:schemeClr>
           </a:solidFill>
+          <a:ln>
+            <a:noFill/>
+          </a:ln>
+          <a:effectLst>
+            <a:softEdge rad="12700"/>
+          </a:effectLst>
         </p:spPr>
         <p:style>
           <a:lnRef idx="2">
@@ -4441,30 +5250,176 @@
           <a:lstStyle/>
           <a:p>
             <a:pPr algn="ctr"/>
-            <a:endParaRPr kumimoji="1" lang="ja-JP" altLang="en-US"/>
-          </a:p>
-        </p:txBody>
-      </p:sp>
-      <p:sp>
-        <p:nvSpPr>
-          <p:cNvPr id="9" name="ストライプ矢印 8"/>
+            <a:r>
+              <a:rPr lang="ja-JP" altLang="en-US" sz="3600" b="1" dirty="0" smtClean="0">
+                <a:solidFill>
+                  <a:srgbClr val="00B0F0"/>
+                </a:solidFill>
+                <a:effectLst>
+                  <a:glow rad="406400">
+                    <a:schemeClr val="bg1">
+                      <a:lumMod val="85000"/>
+                      <a:alpha val="40000"/>
+                    </a:schemeClr>
+                  </a:glow>
+                </a:effectLst>
+                <a:latin typeface="ＤＦＰ勘亭流" panose="03000800010101010101" pitchFamily="66" charset="-128"/>
+                <a:ea typeface="ＤＦＰ勘亭流" panose="03000800010101010101" pitchFamily="66" charset="-128"/>
+              </a:rPr>
+              <a:t>彗星の尾</a:t>
+            </a:r>
+            <a:r>
+              <a:rPr lang="ja-JP" altLang="en-US" sz="2800" dirty="0" smtClean="0">
+                <a:solidFill>
+                  <a:schemeClr val="bg1">
+                    <a:lumMod val="95000"/>
+                  </a:schemeClr>
+                </a:solidFill>
+                <a:effectLst>
+                  <a:glow rad="406400">
+                    <a:schemeClr val="bg1">
+                      <a:lumMod val="85000"/>
+                      <a:alpha val="40000"/>
+                    </a:schemeClr>
+                  </a:glow>
+                </a:effectLst>
+                <a:latin typeface="ＤＦＰ勘亭流" panose="03000800010101010101" pitchFamily="66" charset="-128"/>
+                <a:ea typeface="ＤＦＰ勘亭流" panose="03000800010101010101" pitchFamily="66" charset="-128"/>
+              </a:rPr>
+              <a:t>の特徴を駆使して</a:t>
+            </a:r>
+            <a:endParaRPr lang="en-US" altLang="ja-JP" sz="2800" dirty="0" smtClean="0">
+              <a:solidFill>
+                <a:schemeClr val="bg1">
+                  <a:lumMod val="95000"/>
+                </a:schemeClr>
+              </a:solidFill>
+              <a:effectLst>
+                <a:glow rad="406400">
+                  <a:schemeClr val="bg1">
+                    <a:lumMod val="85000"/>
+                    <a:alpha val="40000"/>
+                  </a:schemeClr>
+                </a:glow>
+              </a:effectLst>
+              <a:latin typeface="ＤＦＰ勘亭流" panose="03000800010101010101" pitchFamily="66" charset="-128"/>
+              <a:ea typeface="ＤＦＰ勘亭流" panose="03000800010101010101" pitchFamily="66" charset="-128"/>
+            </a:endParaRPr>
+          </a:p>
+          <a:p>
+            <a:pPr algn="ctr"/>
+            <a:r>
+              <a:rPr lang="ja-JP" altLang="en-US" sz="2800" b="1" dirty="0" smtClean="0">
+                <a:solidFill>
+                  <a:srgbClr val="FF0000"/>
+                </a:solidFill>
+                <a:effectLst>
+                  <a:glow rad="406400">
+                    <a:schemeClr val="bg1">
+                      <a:lumMod val="85000"/>
+                      <a:alpha val="40000"/>
+                    </a:schemeClr>
+                  </a:glow>
+                </a:effectLst>
+                <a:latin typeface="ＤＦＰ勘亭流" panose="03000800010101010101" pitchFamily="66" charset="-128"/>
+                <a:ea typeface="ＤＦＰ勘亭流" panose="03000800010101010101" pitchFamily="66" charset="-128"/>
+              </a:rPr>
+              <a:t>赤い星</a:t>
+            </a:r>
+            <a:r>
+              <a:rPr lang="ja-JP" altLang="en-US" sz="2800" dirty="0" smtClean="0">
+                <a:solidFill>
+                  <a:schemeClr val="bg1">
+                    <a:lumMod val="95000"/>
+                  </a:schemeClr>
+                </a:solidFill>
+                <a:effectLst>
+                  <a:glow rad="406400">
+                    <a:schemeClr val="bg1">
+                      <a:lumMod val="85000"/>
+                      <a:alpha val="40000"/>
+                    </a:schemeClr>
+                  </a:glow>
+                </a:effectLst>
+                <a:latin typeface="ＤＦＰ勘亭流" panose="03000800010101010101" pitchFamily="66" charset="-128"/>
+                <a:ea typeface="ＤＦＰ勘亭流" panose="03000800010101010101" pitchFamily="66" charset="-128"/>
+              </a:rPr>
+              <a:t>をどんどん爆破していきましょう。</a:t>
+            </a:r>
+            <a:endParaRPr lang="en-US" altLang="ja-JP" sz="2800" dirty="0" smtClean="0">
+              <a:solidFill>
+                <a:schemeClr val="bg1">
+                  <a:lumMod val="95000"/>
+                </a:schemeClr>
+              </a:solidFill>
+              <a:effectLst>
+                <a:glow rad="406400">
+                  <a:schemeClr val="bg1">
+                    <a:lumMod val="85000"/>
+                    <a:alpha val="40000"/>
+                  </a:schemeClr>
+                </a:glow>
+              </a:effectLst>
+              <a:latin typeface="ＤＦＰ勘亭流" panose="03000800010101010101" pitchFamily="66" charset="-128"/>
+              <a:ea typeface="ＤＦＰ勘亭流" panose="03000800010101010101" pitchFamily="66" charset="-128"/>
+            </a:endParaRPr>
+          </a:p>
+        </p:txBody>
+      </p:sp>
+      <p:pic>
+        <p:nvPicPr>
+          <p:cNvPr id="19" name="図 18"/>
+          <p:cNvPicPr>
+            <a:picLocks noChangeAspect="1"/>
+          </p:cNvPicPr>
+          <p:nvPr/>
+        </p:nvPicPr>
+        <p:blipFill>
+          <a:blip r:embed="rId4"/>
+          <a:stretch>
+            <a:fillRect/>
+          </a:stretch>
+        </p:blipFill>
+        <p:spPr>
+          <a:xfrm>
+            <a:off x="4703057" y="3396343"/>
+            <a:ext cx="3439325" cy="3113462"/>
+          </a:xfrm>
+          <a:prstGeom prst="rect">
+            <a:avLst/>
+          </a:prstGeom>
+          <a:effectLst>
+            <a:softEdge rad="165100"/>
+          </a:effectLst>
+        </p:spPr>
+      </p:pic>
+      <p:sp>
+        <p:nvSpPr>
+          <p:cNvPr id="22" name="フローチャート: 代替処理 21"/>
           <p:cNvSpPr/>
           <p:nvPr/>
         </p:nvSpPr>
         <p:spPr>
           <a:xfrm>
-            <a:off x="7562834" y="1246571"/>
-            <a:ext cx="904757" cy="930488"/>
+            <a:off x="-1" y="3360420"/>
+            <a:ext cx="7688474" cy="1482951"/>
           </a:xfrm>
-          <a:prstGeom prst="stripedRightArrow">
+          <a:prstGeom prst="flowChartAlternateProcess">
             <a:avLst/>
           </a:prstGeom>
           <a:solidFill>
-            <a:schemeClr val="accent2">
-              <a:lumMod val="60000"/>
-              <a:lumOff val="40000"/>
+            <a:schemeClr val="tx1">
+              <a:lumMod val="75000"/>
+              <a:lumOff val="25000"/>
+              <a:alpha val="0"/>
             </a:schemeClr>
           </a:solidFill>
+          <a:ln>
+            <a:noFill/>
+          </a:ln>
+          <a:effectLst>
+            <a:softEdge rad="12700"/>
+          </a:effectLst>
         </p:spPr>
         <p:style>
           <a:lnRef idx="2">
@@ -4487,13 +5442,263 @@
           <a:lstStyle/>
           <a:p>
             <a:pPr algn="ctr"/>
-            <a:endParaRPr kumimoji="1" lang="ja-JP" altLang="en-US"/>
+            <a:r>
+              <a:rPr lang="ja-JP" altLang="en-US" sz="2800" dirty="0" smtClean="0">
+                <a:solidFill>
+                  <a:schemeClr val="bg1">
+                    <a:lumMod val="95000"/>
+                  </a:schemeClr>
+                </a:solidFill>
+                <a:effectLst>
+                  <a:glow rad="406400">
+                    <a:schemeClr val="bg1">
+                      <a:lumMod val="85000"/>
+                      <a:alpha val="40000"/>
+                    </a:schemeClr>
+                  </a:glow>
+                </a:effectLst>
+                <a:latin typeface="ＤＦＰ勘亭流" panose="03000800010101010101" pitchFamily="66" charset="-128"/>
+                <a:ea typeface="ＤＦＰ勘亭流" panose="03000800010101010101" pitchFamily="66" charset="-128"/>
+              </a:rPr>
+              <a:t>ただし</a:t>
+            </a:r>
+            <a:r>
+              <a:rPr lang="ja-JP" altLang="en-US" sz="3200" b="1" dirty="0">
+                <a:solidFill>
+                  <a:srgbClr val="00B050"/>
+                </a:solidFill>
+                <a:effectLst>
+                  <a:glow rad="406400">
+                    <a:schemeClr val="bg1">
+                      <a:lumMod val="85000"/>
+                      <a:alpha val="40000"/>
+                    </a:schemeClr>
+                  </a:glow>
+                </a:effectLst>
+                <a:latin typeface="ＤＦＰ勘亭流" panose="03000800010101010101" pitchFamily="66" charset="-128"/>
+                <a:ea typeface="ＤＦＰ勘亭流" panose="03000800010101010101" pitchFamily="66" charset="-128"/>
+              </a:rPr>
+              <a:t>緑</a:t>
+            </a:r>
+            <a:r>
+              <a:rPr lang="ja-JP" altLang="en-US" sz="3200" b="1" dirty="0" smtClean="0">
+                <a:solidFill>
+                  <a:srgbClr val="00B050"/>
+                </a:solidFill>
+                <a:effectLst>
+                  <a:glow rad="406400">
+                    <a:schemeClr val="bg1">
+                      <a:lumMod val="85000"/>
+                      <a:alpha val="40000"/>
+                    </a:schemeClr>
+                  </a:glow>
+                </a:effectLst>
+                <a:latin typeface="ＤＦＰ勘亭流" panose="03000800010101010101" pitchFamily="66" charset="-128"/>
+                <a:ea typeface="ＤＦＰ勘亭流" panose="03000800010101010101" pitchFamily="66" charset="-128"/>
+              </a:rPr>
+              <a:t>の星</a:t>
+            </a:r>
+            <a:r>
+              <a:rPr lang="ja-JP" altLang="en-US" sz="3200" dirty="0" smtClean="0">
+                <a:solidFill>
+                  <a:schemeClr val="bg1">
+                    <a:lumMod val="95000"/>
+                  </a:schemeClr>
+                </a:solidFill>
+                <a:effectLst>
+                  <a:glow rad="406400">
+                    <a:schemeClr val="bg1">
+                      <a:lumMod val="85000"/>
+                      <a:alpha val="40000"/>
+                    </a:schemeClr>
+                  </a:glow>
+                </a:effectLst>
+                <a:latin typeface="ＤＦＰ勘亭流" panose="03000800010101010101" pitchFamily="66" charset="-128"/>
+                <a:ea typeface="ＤＦＰ勘亭流" panose="03000800010101010101" pitchFamily="66" charset="-128"/>
+              </a:rPr>
+              <a:t>は破壊してはいけません</a:t>
+            </a:r>
+            <a:r>
+              <a:rPr lang="ja-JP" altLang="en-US" sz="2800" dirty="0" smtClean="0">
+                <a:solidFill>
+                  <a:schemeClr val="bg1">
+                    <a:lumMod val="95000"/>
+                  </a:schemeClr>
+                </a:solidFill>
+                <a:effectLst>
+                  <a:glow rad="406400">
+                    <a:schemeClr val="bg1">
+                      <a:lumMod val="85000"/>
+                      <a:alpha val="40000"/>
+                    </a:schemeClr>
+                  </a:glow>
+                </a:effectLst>
+                <a:latin typeface="ＤＦＰ勘亭流" panose="03000800010101010101" pitchFamily="66" charset="-128"/>
+                <a:ea typeface="ＤＦＰ勘亭流" panose="03000800010101010101" pitchFamily="66" charset="-128"/>
+              </a:rPr>
+              <a:t>。</a:t>
+            </a:r>
+            <a:endParaRPr lang="en-US" altLang="ja-JP" sz="2800" dirty="0" smtClean="0">
+              <a:solidFill>
+                <a:schemeClr val="bg1">
+                  <a:lumMod val="95000"/>
+                </a:schemeClr>
+              </a:solidFill>
+              <a:effectLst>
+                <a:glow rad="406400">
+                  <a:schemeClr val="bg1">
+                    <a:lumMod val="85000"/>
+                    <a:alpha val="40000"/>
+                  </a:schemeClr>
+                </a:glow>
+              </a:effectLst>
+              <a:latin typeface="ＤＦＰ勘亭流" panose="03000800010101010101" pitchFamily="66" charset="-128"/>
+              <a:ea typeface="ＤＦＰ勘亭流" panose="03000800010101010101" pitchFamily="66" charset="-128"/>
+            </a:endParaRPr>
+          </a:p>
+          <a:p>
+            <a:pPr algn="ctr"/>
+            <a:r>
+              <a:rPr lang="ja-JP" altLang="en-US" sz="2800" dirty="0" smtClean="0">
+                <a:solidFill>
+                  <a:schemeClr val="bg1">
+                    <a:lumMod val="95000"/>
+                  </a:schemeClr>
+                </a:solidFill>
+                <a:effectLst>
+                  <a:glow rad="406400">
+                    <a:schemeClr val="bg1">
+                      <a:lumMod val="85000"/>
+                      <a:alpha val="40000"/>
+                    </a:schemeClr>
+                  </a:glow>
+                </a:effectLst>
+                <a:latin typeface="ＤＦＰ勘亭流" panose="03000800010101010101" pitchFamily="66" charset="-128"/>
+                <a:ea typeface="ＤＦＰ勘亭流" panose="03000800010101010101" pitchFamily="66" charset="-128"/>
+              </a:rPr>
+              <a:t>破壊しすぎると</a:t>
+            </a:r>
+            <a:r>
+              <a:rPr lang="ja-JP" altLang="en-US" sz="3200" dirty="0" smtClean="0">
+                <a:solidFill>
+                  <a:schemeClr val="bg1">
+                    <a:lumMod val="95000"/>
+                  </a:schemeClr>
+                </a:solidFill>
+                <a:effectLst>
+                  <a:glow rad="406400">
+                    <a:schemeClr val="bg1">
+                      <a:lumMod val="85000"/>
+                      <a:alpha val="40000"/>
+                    </a:schemeClr>
+                  </a:glow>
+                </a:effectLst>
+                <a:latin typeface="ＤＦＰ勘亭流" panose="03000800010101010101" pitchFamily="66" charset="-128"/>
+                <a:ea typeface="ＤＦＰ勘亭流" panose="03000800010101010101" pitchFamily="66" charset="-128"/>
+              </a:rPr>
+              <a:t>彗星が消滅</a:t>
+            </a:r>
+            <a:r>
+              <a:rPr lang="ja-JP" altLang="en-US" sz="2800" dirty="0" smtClean="0">
+                <a:solidFill>
+                  <a:schemeClr val="bg1">
+                    <a:lumMod val="95000"/>
+                  </a:schemeClr>
+                </a:solidFill>
+                <a:effectLst>
+                  <a:glow rad="406400">
+                    <a:schemeClr val="bg1">
+                      <a:lumMod val="85000"/>
+                      <a:alpha val="40000"/>
+                    </a:schemeClr>
+                  </a:glow>
+                </a:effectLst>
+                <a:latin typeface="ＤＦＰ勘亭流" panose="03000800010101010101" pitchFamily="66" charset="-128"/>
+                <a:ea typeface="ＤＦＰ勘亭流" panose="03000800010101010101" pitchFamily="66" charset="-128"/>
+              </a:rPr>
+              <a:t>してしまい</a:t>
+            </a:r>
+            <a:endParaRPr lang="en-US" altLang="ja-JP" sz="2800" dirty="0" smtClean="0">
+              <a:solidFill>
+                <a:schemeClr val="bg1">
+                  <a:lumMod val="95000"/>
+                </a:schemeClr>
+              </a:solidFill>
+              <a:effectLst>
+                <a:glow rad="406400">
+                  <a:schemeClr val="bg1">
+                    <a:lumMod val="85000"/>
+                    <a:alpha val="40000"/>
+                  </a:schemeClr>
+                </a:glow>
+              </a:effectLst>
+              <a:latin typeface="ＤＦＰ勘亭流" panose="03000800010101010101" pitchFamily="66" charset="-128"/>
+              <a:ea typeface="ＤＦＰ勘亭流" panose="03000800010101010101" pitchFamily="66" charset="-128"/>
+            </a:endParaRPr>
+          </a:p>
+          <a:p>
+            <a:pPr algn="ctr"/>
+            <a:r>
+              <a:rPr lang="ja-JP" altLang="en-US" sz="3200" dirty="0" smtClean="0">
+                <a:solidFill>
+                  <a:schemeClr val="tx1"/>
+                </a:solidFill>
+                <a:effectLst>
+                  <a:glow rad="406400">
+                    <a:schemeClr val="bg1">
+                      <a:lumMod val="85000"/>
+                      <a:alpha val="40000"/>
+                    </a:schemeClr>
+                  </a:glow>
+                </a:effectLst>
+                <a:latin typeface="ＤＦＰ勘亭流" panose="03000800010101010101" pitchFamily="66" charset="-128"/>
+                <a:ea typeface="ＤＦＰ勘亭流" panose="03000800010101010101" pitchFamily="66" charset="-128"/>
+              </a:rPr>
+              <a:t>ゲームオーバー</a:t>
+            </a:r>
+            <a:r>
+              <a:rPr lang="ja-JP" altLang="en-US" sz="2800" dirty="0" smtClean="0">
+                <a:solidFill>
+                  <a:schemeClr val="bg1">
+                    <a:lumMod val="95000"/>
+                  </a:schemeClr>
+                </a:solidFill>
+                <a:effectLst>
+                  <a:glow rad="406400">
+                    <a:schemeClr val="bg1">
+                      <a:lumMod val="85000"/>
+                      <a:alpha val="40000"/>
+                    </a:schemeClr>
+                  </a:glow>
+                </a:effectLst>
+                <a:latin typeface="ＤＦＰ勘亭流" panose="03000800010101010101" pitchFamily="66" charset="-128"/>
+                <a:ea typeface="ＤＦＰ勘亭流" panose="03000800010101010101" pitchFamily="66" charset="-128"/>
+              </a:rPr>
+              <a:t>となってしまいます。</a:t>
+            </a:r>
+            <a:endParaRPr lang="en-US" altLang="ja-JP" sz="2800" dirty="0" smtClean="0">
+              <a:solidFill>
+                <a:schemeClr val="bg1">
+                  <a:lumMod val="95000"/>
+                </a:schemeClr>
+              </a:solidFill>
+              <a:effectLst>
+                <a:glow rad="406400">
+                  <a:schemeClr val="bg1">
+                    <a:lumMod val="85000"/>
+                    <a:alpha val="40000"/>
+                  </a:schemeClr>
+                </a:glow>
+              </a:effectLst>
+              <a:latin typeface="ＤＦＰ勘亭流" panose="03000800010101010101" pitchFamily="66" charset="-128"/>
+              <a:ea typeface="ＤＦＰ勘亭流" panose="03000800010101010101" pitchFamily="66" charset="-128"/>
+            </a:endParaRPr>
           </a:p>
         </p:txBody>
       </p:sp>
       <p:pic>
         <p:nvPicPr>
-          <p:cNvPr id="10" name="図 9"/>
+          <p:cNvPr id="23" name="図 22"/>
           <p:cNvPicPr>
             <a:picLocks noChangeAspect="1"/>
           </p:cNvPicPr>
@@ -4507,227 +5712,38 @@
         </p:blipFill>
         <p:spPr>
           <a:xfrm>
-            <a:off x="8483524" y="172251"/>
-            <a:ext cx="3499030" cy="3119187"/>
+            <a:off x="8519885" y="3410858"/>
+            <a:ext cx="3294613" cy="3113462"/>
           </a:xfrm>
           <a:prstGeom prst="rect">
             <a:avLst/>
           </a:prstGeom>
+          <a:effectLst>
+            <a:softEdge rad="190500"/>
+          </a:effectLst>
         </p:spPr>
       </p:pic>
       <p:sp>
         <p:nvSpPr>
-          <p:cNvPr id="11" name="フローチャート: 代替処理 10"/>
+          <p:cNvPr id="24" name="楕円 23"/>
           <p:cNvSpPr/>
           <p:nvPr/>
         </p:nvSpPr>
         <p:spPr>
-          <a:xfrm>
-            <a:off x="355600" y="3756109"/>
-            <a:ext cx="11460480" cy="2919012"/>
+          <a:xfrm rot="2689230">
+            <a:off x="4776947" y="5546867"/>
+            <a:ext cx="1261047" cy="684609"/>
           </a:xfrm>
-          <a:prstGeom prst="flowChartAlternateProcess">
+          <a:prstGeom prst="ellipse">
             <a:avLst/>
           </a:prstGeom>
           <a:solidFill>
-            <a:schemeClr val="accent4">
-              <a:lumMod val="40000"/>
-              <a:lumOff val="60000"/>
-            </a:schemeClr>
-          </a:solidFill>
-        </p:spPr>
-        <p:style>
-          <a:lnRef idx="2">
-            <a:schemeClr val="accent1">
-              <a:shade val="50000"/>
-            </a:schemeClr>
-          </a:lnRef>
-          <a:fillRef idx="1">
-            <a:schemeClr val="accent1"/>
-          </a:fillRef>
-          <a:effectRef idx="0">
-            <a:schemeClr val="accent1"/>
-          </a:effectRef>
-          <a:fontRef idx="minor">
-            <a:schemeClr val="lt1"/>
-          </a:fontRef>
-        </p:style>
-        <p:txBody>
-          <a:bodyPr rtlCol="0" anchor="ctr"/>
-          <a:lstStyle/>
-          <a:p>
-            <a:pPr algn="ctr"/>
-            <a:r>
-              <a:rPr kumimoji="1" lang="ja-JP" altLang="en-US" sz="2800" dirty="0" smtClean="0">
-                <a:solidFill>
-                  <a:schemeClr val="tx1"/>
-                </a:solidFill>
-                <a:latin typeface="ＤＦＰ勘亭流" panose="03000800010101010101" pitchFamily="66" charset="-128"/>
-                <a:ea typeface="ＤＦＰ勘亭流" panose="03000800010101010101" pitchFamily="66" charset="-128"/>
-              </a:rPr>
-              <a:t>緑色の星を壊してしまうと彗星のエネルギーが減ってしまう！</a:t>
-            </a:r>
-            <a:endParaRPr kumimoji="1" lang="en-US" altLang="ja-JP" sz="2800" dirty="0" smtClean="0">
-              <a:solidFill>
-                <a:schemeClr val="tx1"/>
-              </a:solidFill>
-              <a:latin typeface="ＤＦＰ勘亭流" panose="03000800010101010101" pitchFamily="66" charset="-128"/>
-              <a:ea typeface="ＤＦＰ勘亭流" panose="03000800010101010101" pitchFamily="66" charset="-128"/>
-            </a:endParaRPr>
-          </a:p>
-          <a:p>
-            <a:pPr algn="ctr"/>
-            <a:r>
-              <a:rPr kumimoji="1" lang="ja-JP" altLang="en-US" sz="2800" dirty="0" smtClean="0">
-                <a:solidFill>
-                  <a:schemeClr val="tx1"/>
-                </a:solidFill>
-                <a:latin typeface="ＤＦＰ勘亭流" panose="03000800010101010101" pitchFamily="66" charset="-128"/>
-                <a:ea typeface="ＤＦＰ勘亭流" panose="03000800010101010101" pitchFamily="66" charset="-128"/>
-              </a:rPr>
-              <a:t>彗星のエネルギーが無くなるとゲームオーバーになってしまうから</a:t>
-            </a:r>
-            <a:endParaRPr kumimoji="1" lang="en-US" altLang="ja-JP" sz="2800" dirty="0" smtClean="0">
-              <a:solidFill>
-                <a:schemeClr val="tx1"/>
-              </a:solidFill>
-              <a:latin typeface="ＤＦＰ勘亭流" panose="03000800010101010101" pitchFamily="66" charset="-128"/>
-              <a:ea typeface="ＤＦＰ勘亭流" panose="03000800010101010101" pitchFamily="66" charset="-128"/>
-            </a:endParaRPr>
-          </a:p>
-          <a:p>
-            <a:pPr algn="ctr"/>
-            <a:r>
-              <a:rPr kumimoji="1" lang="ja-JP" altLang="en-US" sz="2800" dirty="0" smtClean="0">
-                <a:solidFill>
-                  <a:schemeClr val="tx1"/>
-                </a:solidFill>
-                <a:latin typeface="ＤＦＰ勘亭流" panose="03000800010101010101" pitchFamily="66" charset="-128"/>
-                <a:ea typeface="ＤＦＰ勘亭流" panose="03000800010101010101" pitchFamily="66" charset="-128"/>
-              </a:rPr>
-              <a:t>壊さないように気を付けよう！</a:t>
-            </a:r>
-            <a:endParaRPr kumimoji="1" lang="en-US" altLang="ja-JP" sz="2800" dirty="0" smtClean="0">
-              <a:solidFill>
-                <a:schemeClr val="tx1"/>
-              </a:solidFill>
-              <a:latin typeface="ＤＦＰ勘亭流" panose="03000800010101010101" pitchFamily="66" charset="-128"/>
-              <a:ea typeface="ＤＦＰ勘亭流" panose="03000800010101010101" pitchFamily="66" charset="-128"/>
-            </a:endParaRPr>
-          </a:p>
-        </p:txBody>
-      </p:sp>
-      <p:sp>
-        <p:nvSpPr>
-          <p:cNvPr id="12" name="正方形/長方形 11"/>
-          <p:cNvSpPr/>
-          <p:nvPr/>
-        </p:nvSpPr>
-        <p:spPr>
-          <a:xfrm>
-            <a:off x="2848632" y="464207"/>
-            <a:ext cx="314960" cy="1219200"/>
-          </a:xfrm>
-          <a:prstGeom prst="rect">
-            <a:avLst/>
-          </a:prstGeom>
-          <a:solidFill>
-            <a:schemeClr val="bg2">
-              <a:lumMod val="90000"/>
-            </a:schemeClr>
-          </a:solidFill>
-        </p:spPr>
-        <p:style>
-          <a:lnRef idx="2">
-            <a:schemeClr val="accent1">
-              <a:shade val="50000"/>
-            </a:schemeClr>
-          </a:lnRef>
-          <a:fillRef idx="1">
-            <a:schemeClr val="accent1"/>
-          </a:fillRef>
-          <a:effectRef idx="0">
-            <a:schemeClr val="accent1"/>
-          </a:effectRef>
-          <a:fontRef idx="minor">
-            <a:schemeClr val="lt1"/>
-          </a:fontRef>
-        </p:style>
-        <p:txBody>
-          <a:bodyPr rtlCol="0" anchor="ctr"/>
-          <a:lstStyle/>
-          <a:p>
-            <a:pPr algn="ctr"/>
-            <a:endParaRPr kumimoji="1" lang="ja-JP" altLang="en-US"/>
-          </a:p>
-        </p:txBody>
-      </p:sp>
-      <p:sp>
-        <p:nvSpPr>
-          <p:cNvPr id="13" name="正方形/長方形 12"/>
-          <p:cNvSpPr/>
-          <p:nvPr/>
-        </p:nvSpPr>
-        <p:spPr>
-          <a:xfrm>
-            <a:off x="6920405" y="464207"/>
-            <a:ext cx="314960" cy="1219200"/>
-          </a:xfrm>
-          <a:prstGeom prst="rect">
-            <a:avLst/>
-          </a:prstGeom>
-          <a:solidFill>
-            <a:schemeClr val="bg2">
-              <a:lumMod val="90000"/>
-            </a:schemeClr>
-          </a:solidFill>
-        </p:spPr>
-        <p:style>
-          <a:lnRef idx="2">
-            <a:schemeClr val="accent1">
-              <a:shade val="50000"/>
-            </a:schemeClr>
-          </a:lnRef>
-          <a:fillRef idx="1">
-            <a:schemeClr val="accent1"/>
-          </a:fillRef>
-          <a:effectRef idx="0">
-            <a:schemeClr val="accent1"/>
-          </a:effectRef>
-          <a:fontRef idx="minor">
-            <a:schemeClr val="lt1"/>
-          </a:fontRef>
-        </p:style>
-        <p:txBody>
-          <a:bodyPr rtlCol="0" anchor="ctr"/>
-          <a:lstStyle/>
-          <a:p>
-            <a:pPr algn="ctr"/>
-            <a:endParaRPr kumimoji="1" lang="ja-JP" altLang="en-US"/>
-          </a:p>
-        </p:txBody>
-      </p:sp>
-      <p:sp>
-        <p:nvSpPr>
-          <p:cNvPr id="14" name="正方形/長方形 13"/>
-          <p:cNvSpPr/>
-          <p:nvPr/>
-        </p:nvSpPr>
-        <p:spPr>
-          <a:xfrm>
-            <a:off x="2854319" y="1333031"/>
-            <a:ext cx="300711" cy="350376"/>
-          </a:xfrm>
-          <a:prstGeom prst="rect">
-            <a:avLst/>
-          </a:prstGeom>
-          <a:solidFill>
-            <a:srgbClr val="FF0000"/>
+            <a:srgbClr val="00B050">
+              <a:alpha val="24000"/>
+            </a:srgbClr>
           </a:solidFill>
           <a:ln>
-            <a:solidFill>
-              <a:srgbClr val="FF0000"/>
-            </a:solidFill>
+            <a:noFill/>
           </a:ln>
         </p:spPr>
         <p:style>
@@ -4751,14 +5767,18 @@
           <a:lstStyle/>
           <a:p>
             <a:pPr algn="ctr"/>
-            <a:endParaRPr kumimoji="1" lang="ja-JP" altLang="en-US"/>
+            <a:endParaRPr kumimoji="1" lang="ja-JP" altLang="en-US">
+              <a:solidFill>
+                <a:srgbClr val="00B050"/>
+              </a:solidFill>
+            </a:endParaRPr>
           </a:p>
         </p:txBody>
       </p:sp>
     </p:spTree>
     <p:extLst>
       <p:ext uri="{BB962C8B-B14F-4D97-AF65-F5344CB8AC3E}">
-        <p14:creationId xmlns:p14="http://schemas.microsoft.com/office/powerpoint/2010/main" val="558119273"/>
+        <p14:creationId xmlns:p14="http://schemas.microsoft.com/office/powerpoint/2010/main" val="2362666315"/>
       </p:ext>
     </p:extLst>
   </p:cSld>

--- a/使うやつ/tutorial/チュートリアル.pptx
+++ b/使うやつ/tutorial/チュートリアル.pptx
@@ -3281,7 +3281,7 @@
         </p:blipFill>
         <p:spPr>
           <a:xfrm>
-            <a:off x="283701" y="-30122"/>
+            <a:off x="0" y="-1"/>
             <a:ext cx="12192001" cy="6858001"/>
           </a:xfrm>
           <a:prstGeom prst="rect">
@@ -3519,27 +3519,7 @@
                 <a:latin typeface="ＤＦＰ勘亭流" panose="03000800010101010101" pitchFamily="66" charset="-128"/>
                 <a:ea typeface="ＤＦＰ勘亭流" panose="03000800010101010101" pitchFamily="66" charset="-128"/>
               </a:rPr>
-              <a:t>を</a:t>
-            </a:r>
-            <a:r>
-              <a:rPr kumimoji="1" lang="ja-JP" altLang="en-US" sz="2800" dirty="0" smtClean="0">
-                <a:solidFill>
-                  <a:schemeClr val="bg1">
-                    <a:lumMod val="95000"/>
-                  </a:schemeClr>
-                </a:solidFill>
-                <a:effectLst>
-                  <a:glow rad="406400">
-                    <a:schemeClr val="bg1">
-                      <a:lumMod val="85000"/>
-                      <a:alpha val="40000"/>
-                    </a:schemeClr>
-                  </a:glow>
-                </a:effectLst>
-                <a:latin typeface="ＤＦＰ勘亭流" panose="03000800010101010101" pitchFamily="66" charset="-128"/>
-                <a:ea typeface="ＤＦＰ勘亭流" panose="03000800010101010101" pitchFamily="66" charset="-128"/>
-              </a:rPr>
-              <a:t>操作</a:t>
+              <a:t>を操作</a:t>
             </a:r>
             <a:r>
               <a:rPr lang="ja-JP" altLang="en-US" sz="2800" dirty="0" smtClean="0">
@@ -4263,6 +4243,78 @@
           </p:txBody>
         </p:sp>
       </p:grpSp>
+      <p:pic>
+        <p:nvPicPr>
+          <p:cNvPr id="22" name="図 21"/>
+          <p:cNvPicPr>
+            <a:picLocks noChangeAspect="1"/>
+          </p:cNvPicPr>
+          <p:nvPr/>
+        </p:nvPicPr>
+        <p:blipFill>
+          <a:blip r:embed="rId6" cstate="print">
+            <a:extLst>
+              <a:ext uri="{28A0092B-C50C-407E-A947-70E740481C1C}">
+                <a14:useLocalDpi xmlns:a14="http://schemas.microsoft.com/office/drawing/2010/main" val="0"/>
+              </a:ext>
+            </a:extLst>
+          </a:blip>
+          <a:stretch>
+            <a:fillRect/>
+          </a:stretch>
+        </p:blipFill>
+        <p:spPr>
+          <a:xfrm>
+            <a:off x="10167191" y="6155486"/>
+            <a:ext cx="869354" cy="869354"/>
+          </a:xfrm>
+          <a:prstGeom prst="rect">
+            <a:avLst/>
+          </a:prstGeom>
+        </p:spPr>
+      </p:pic>
+      <p:sp>
+        <p:nvSpPr>
+          <p:cNvPr id="25" name="テキスト ボックス 24"/>
+          <p:cNvSpPr txBox="1"/>
+          <p:nvPr/>
+        </p:nvSpPr>
+        <p:spPr>
+          <a:xfrm>
+            <a:off x="10860541" y="6350887"/>
+            <a:ext cx="769763" cy="461665"/>
+          </a:xfrm>
+          <a:prstGeom prst="rect">
+            <a:avLst/>
+          </a:prstGeom>
+          <a:noFill/>
+        </p:spPr>
+        <p:txBody>
+          <a:bodyPr wrap="none" rtlCol="0">
+            <a:spAutoFit/>
+          </a:bodyPr>
+          <a:lstStyle/>
+          <a:p>
+            <a:r>
+              <a:rPr kumimoji="1" lang="ja-JP" altLang="en-US" sz="2400" dirty="0" smtClean="0">
+                <a:solidFill>
+                  <a:schemeClr val="bg1"/>
+                </a:solidFill>
+                <a:latin typeface="ＤＦＰ勘亭流" panose="03000800010101010101" pitchFamily="66" charset="-128"/>
+                <a:ea typeface="ＤＦＰ勘亭流" panose="03000800010101010101" pitchFamily="66" charset="-128"/>
+              </a:rPr>
+              <a:t>次へ</a:t>
+            </a:r>
+            <a:endParaRPr kumimoji="1" lang="ja-JP" altLang="en-US" sz="2400" dirty="0">
+              <a:solidFill>
+                <a:schemeClr val="bg1"/>
+              </a:solidFill>
+              <a:latin typeface="ＤＦＰ勘亭流" panose="03000800010101010101" pitchFamily="66" charset="-128"/>
+              <a:ea typeface="ＤＦＰ勘亭流" panose="03000800010101010101" pitchFamily="66" charset="-128"/>
+            </a:endParaRPr>
+          </a:p>
+        </p:txBody>
+      </p:sp>
     </p:spTree>
     <p:extLst>
       <p:ext uri="{BB962C8B-B14F-4D97-AF65-F5344CB8AC3E}">
@@ -4315,7 +4367,7 @@
         </p:blipFill>
         <p:spPr>
           <a:xfrm>
-            <a:off x="-1" y="14513"/>
+            <a:off x="0" y="-2"/>
             <a:ext cx="12192001" cy="6858001"/>
           </a:xfrm>
           <a:prstGeom prst="rect">
@@ -5108,6 +5160,150 @@
           </p:spPr>
         </p:pic>
       </p:grpSp>
+      <p:pic>
+        <p:nvPicPr>
+          <p:cNvPr id="17" name="図 16"/>
+          <p:cNvPicPr>
+            <a:picLocks noChangeAspect="1"/>
+          </p:cNvPicPr>
+          <p:nvPr/>
+        </p:nvPicPr>
+        <p:blipFill>
+          <a:blip r:embed="rId7" cstate="print">
+            <a:extLst>
+              <a:ext uri="{28A0092B-C50C-407E-A947-70E740481C1C}">
+                <a14:useLocalDpi xmlns:a14="http://schemas.microsoft.com/office/drawing/2010/main" val="0"/>
+              </a:ext>
+            </a:extLst>
+          </a:blip>
+          <a:stretch>
+            <a:fillRect/>
+          </a:stretch>
+        </p:blipFill>
+        <p:spPr>
+          <a:xfrm>
+            <a:off x="0" y="6146249"/>
+            <a:ext cx="875311" cy="875311"/>
+          </a:xfrm>
+          <a:prstGeom prst="rect">
+            <a:avLst/>
+          </a:prstGeom>
+        </p:spPr>
+      </p:pic>
+      <p:pic>
+        <p:nvPicPr>
+          <p:cNvPr id="22" name="図 21"/>
+          <p:cNvPicPr>
+            <a:picLocks noChangeAspect="1"/>
+          </p:cNvPicPr>
+          <p:nvPr/>
+        </p:nvPicPr>
+        <p:blipFill>
+          <a:blip r:embed="rId8" cstate="print">
+            <a:extLst>
+              <a:ext uri="{28A0092B-C50C-407E-A947-70E740481C1C}">
+                <a14:useLocalDpi xmlns:a14="http://schemas.microsoft.com/office/drawing/2010/main" val="0"/>
+              </a:ext>
+            </a:extLst>
+          </a:blip>
+          <a:stretch>
+            <a:fillRect/>
+          </a:stretch>
+        </p:blipFill>
+        <p:spPr>
+          <a:xfrm>
+            <a:off x="10167191" y="6155486"/>
+            <a:ext cx="869354" cy="869354"/>
+          </a:xfrm>
+          <a:prstGeom prst="rect">
+            <a:avLst/>
+          </a:prstGeom>
+        </p:spPr>
+      </p:pic>
+      <p:sp>
+        <p:nvSpPr>
+          <p:cNvPr id="5" name="テキスト ボックス 4"/>
+          <p:cNvSpPr txBox="1"/>
+          <p:nvPr/>
+        </p:nvSpPr>
+        <p:spPr>
+          <a:xfrm>
+            <a:off x="683176" y="6348574"/>
+            <a:ext cx="753732" cy="461665"/>
+          </a:xfrm>
+          <a:prstGeom prst="rect">
+            <a:avLst/>
+          </a:prstGeom>
+          <a:noFill/>
+        </p:spPr>
+        <p:txBody>
+          <a:bodyPr wrap="none" rtlCol="0">
+            <a:spAutoFit/>
+          </a:bodyPr>
+          <a:lstStyle/>
+          <a:p>
+            <a:r>
+              <a:rPr kumimoji="1" lang="ja-JP" altLang="en-US" sz="2400" dirty="0" smtClean="0">
+                <a:solidFill>
+                  <a:schemeClr val="bg1"/>
+                </a:solidFill>
+                <a:latin typeface="ＤＦＰ勘亭流" panose="03000800010101010101" pitchFamily="66" charset="-128"/>
+                <a:ea typeface="ＤＦＰ勘亭流" panose="03000800010101010101" pitchFamily="66" charset="-128"/>
+              </a:rPr>
+              <a:t>戻る</a:t>
+            </a:r>
+            <a:endParaRPr kumimoji="1" lang="ja-JP" altLang="en-US" sz="2400" dirty="0">
+              <a:solidFill>
+                <a:schemeClr val="bg1"/>
+              </a:solidFill>
+              <a:latin typeface="ＤＦＰ勘亭流" panose="03000800010101010101" pitchFamily="66" charset="-128"/>
+              <a:ea typeface="ＤＦＰ勘亭流" panose="03000800010101010101" pitchFamily="66" charset="-128"/>
+            </a:endParaRPr>
+          </a:p>
+        </p:txBody>
+      </p:sp>
+      <p:sp>
+        <p:nvSpPr>
+          <p:cNvPr id="23" name="テキスト ボックス 22"/>
+          <p:cNvSpPr txBox="1"/>
+          <p:nvPr/>
+        </p:nvSpPr>
+        <p:spPr>
+          <a:xfrm>
+            <a:off x="10860541" y="6350887"/>
+            <a:ext cx="769763" cy="461665"/>
+          </a:xfrm>
+          <a:prstGeom prst="rect">
+            <a:avLst/>
+          </a:prstGeom>
+          <a:noFill/>
+        </p:spPr>
+        <p:txBody>
+          <a:bodyPr wrap="none" rtlCol="0">
+            <a:spAutoFit/>
+          </a:bodyPr>
+          <a:lstStyle/>
+          <a:p>
+            <a:r>
+              <a:rPr kumimoji="1" lang="ja-JP" altLang="en-US" sz="2400" dirty="0" smtClean="0">
+                <a:solidFill>
+                  <a:schemeClr val="bg1"/>
+                </a:solidFill>
+                <a:latin typeface="ＤＦＰ勘亭流" panose="03000800010101010101" pitchFamily="66" charset="-128"/>
+                <a:ea typeface="ＤＦＰ勘亭流" panose="03000800010101010101" pitchFamily="66" charset="-128"/>
+              </a:rPr>
+              <a:t>次へ</a:t>
+            </a:r>
+            <a:endParaRPr kumimoji="1" lang="ja-JP" altLang="en-US" sz="2400" dirty="0">
+              <a:solidFill>
+                <a:schemeClr val="bg1"/>
+              </a:solidFill>
+              <a:latin typeface="ＤＦＰ勘亭流" panose="03000800010101010101" pitchFamily="66" charset="-128"/>
+              <a:ea typeface="ＤＦＰ勘亭流" panose="03000800010101010101" pitchFamily="66" charset="-128"/>
+            </a:endParaRPr>
+          </a:p>
+        </p:txBody>
+      </p:sp>
     </p:spTree>
     <p:extLst>
       <p:ext uri="{BB962C8B-B14F-4D97-AF65-F5344CB8AC3E}">
@@ -5771,6 +5967,150 @@
               <a:solidFill>
                 <a:srgbClr val="00B050"/>
               </a:solidFill>
+            </a:endParaRPr>
+          </a:p>
+        </p:txBody>
+      </p:sp>
+      <p:pic>
+        <p:nvPicPr>
+          <p:cNvPr id="9" name="図 8"/>
+          <p:cNvPicPr>
+            <a:picLocks noChangeAspect="1"/>
+          </p:cNvPicPr>
+          <p:nvPr/>
+        </p:nvPicPr>
+        <p:blipFill>
+          <a:blip r:embed="rId6" cstate="print">
+            <a:extLst>
+              <a:ext uri="{28A0092B-C50C-407E-A947-70E740481C1C}">
+                <a14:useLocalDpi xmlns:a14="http://schemas.microsoft.com/office/drawing/2010/main" val="0"/>
+              </a:ext>
+            </a:extLst>
+          </a:blip>
+          <a:stretch>
+            <a:fillRect/>
+          </a:stretch>
+        </p:blipFill>
+        <p:spPr>
+          <a:xfrm>
+            <a:off x="10167191" y="6155486"/>
+            <a:ext cx="869354" cy="869354"/>
+          </a:xfrm>
+          <a:prstGeom prst="rect">
+            <a:avLst/>
+          </a:prstGeom>
+        </p:spPr>
+      </p:pic>
+      <p:pic>
+        <p:nvPicPr>
+          <p:cNvPr id="10" name="図 9"/>
+          <p:cNvPicPr>
+            <a:picLocks noChangeAspect="1"/>
+          </p:cNvPicPr>
+          <p:nvPr/>
+        </p:nvPicPr>
+        <p:blipFill>
+          <a:blip r:embed="rId7" cstate="print">
+            <a:extLst>
+              <a:ext uri="{28A0092B-C50C-407E-A947-70E740481C1C}">
+                <a14:useLocalDpi xmlns:a14="http://schemas.microsoft.com/office/drawing/2010/main" val="0"/>
+              </a:ext>
+            </a:extLst>
+          </a:blip>
+          <a:stretch>
+            <a:fillRect/>
+          </a:stretch>
+        </p:blipFill>
+        <p:spPr>
+          <a:xfrm>
+            <a:off x="0" y="6146249"/>
+            <a:ext cx="875311" cy="875311"/>
+          </a:xfrm>
+          <a:prstGeom prst="rect">
+            <a:avLst/>
+          </a:prstGeom>
+        </p:spPr>
+      </p:pic>
+      <p:sp>
+        <p:nvSpPr>
+          <p:cNvPr id="12" name="テキスト ボックス 11"/>
+          <p:cNvSpPr txBox="1"/>
+          <p:nvPr/>
+        </p:nvSpPr>
+        <p:spPr>
+          <a:xfrm>
+            <a:off x="683176" y="6348574"/>
+            <a:ext cx="753732" cy="461665"/>
+          </a:xfrm>
+          <a:prstGeom prst="rect">
+            <a:avLst/>
+          </a:prstGeom>
+          <a:noFill/>
+        </p:spPr>
+        <p:txBody>
+          <a:bodyPr wrap="none" rtlCol="0">
+            <a:spAutoFit/>
+          </a:bodyPr>
+          <a:lstStyle/>
+          <a:p>
+            <a:r>
+              <a:rPr kumimoji="1" lang="ja-JP" altLang="en-US" sz="2400" dirty="0" smtClean="0">
+                <a:solidFill>
+                  <a:schemeClr val="bg1"/>
+                </a:solidFill>
+                <a:latin typeface="ＤＦＰ勘亭流" panose="03000800010101010101" pitchFamily="66" charset="-128"/>
+                <a:ea typeface="ＤＦＰ勘亭流" panose="03000800010101010101" pitchFamily="66" charset="-128"/>
+              </a:rPr>
+              <a:t>戻る</a:t>
+            </a:r>
+            <a:endParaRPr kumimoji="1" lang="ja-JP" altLang="en-US" sz="2400" dirty="0">
+              <a:solidFill>
+                <a:schemeClr val="bg1"/>
+              </a:solidFill>
+              <a:latin typeface="ＤＦＰ勘亭流" panose="03000800010101010101" pitchFamily="66" charset="-128"/>
+              <a:ea typeface="ＤＦＰ勘亭流" panose="03000800010101010101" pitchFamily="66" charset="-128"/>
+            </a:endParaRPr>
+          </a:p>
+        </p:txBody>
+      </p:sp>
+      <p:sp>
+        <p:nvSpPr>
+          <p:cNvPr id="13" name="テキスト ボックス 12"/>
+          <p:cNvSpPr txBox="1"/>
+          <p:nvPr/>
+        </p:nvSpPr>
+        <p:spPr>
+          <a:xfrm>
+            <a:off x="10860541" y="6350887"/>
+            <a:ext cx="769763" cy="461665"/>
+          </a:xfrm>
+          <a:prstGeom prst="rect">
+            <a:avLst/>
+          </a:prstGeom>
+          <a:noFill/>
+        </p:spPr>
+        <p:txBody>
+          <a:bodyPr wrap="none" rtlCol="0">
+            <a:spAutoFit/>
+          </a:bodyPr>
+          <a:lstStyle/>
+          <a:p>
+            <a:r>
+              <a:rPr kumimoji="1" lang="ja-JP" altLang="en-US" sz="2400" dirty="0" smtClean="0">
+                <a:solidFill>
+                  <a:schemeClr val="bg1"/>
+                </a:solidFill>
+                <a:latin typeface="ＤＦＰ勘亭流" panose="03000800010101010101" pitchFamily="66" charset="-128"/>
+                <a:ea typeface="ＤＦＰ勘亭流" panose="03000800010101010101" pitchFamily="66" charset="-128"/>
+              </a:rPr>
+              <a:t>次へ</a:t>
+            </a:r>
+            <a:endParaRPr kumimoji="1" lang="ja-JP" altLang="en-US" sz="2400" dirty="0">
+              <a:solidFill>
+                <a:schemeClr val="bg1"/>
+              </a:solidFill>
+              <a:latin typeface="ＤＦＰ勘亭流" panose="03000800010101010101" pitchFamily="66" charset="-128"/>
+              <a:ea typeface="ＤＦＰ勘亭流" panose="03000800010101010101" pitchFamily="66" charset="-128"/>
             </a:endParaRPr>
           </a:p>
         </p:txBody>
